--- a/progettomatlabfine (1).pptx
+++ b/progettomatlabfine (1).pptx
@@ -9,12 +9,12 @@
     <p:sldId id="257" r:id="rId3"/>
     <p:sldId id="275" r:id="rId4"/>
     <p:sldId id="282" r:id="rId5"/>
-    <p:sldId id="268" r:id="rId6"/>
-    <p:sldId id="260" r:id="rId7"/>
-    <p:sldId id="259" r:id="rId8"/>
-    <p:sldId id="272" r:id="rId9"/>
-    <p:sldId id="281" r:id="rId10"/>
-    <p:sldId id="266" r:id="rId11"/>
+    <p:sldId id="281" r:id="rId6"/>
+    <p:sldId id="266" r:id="rId7"/>
+    <p:sldId id="268" r:id="rId8"/>
+    <p:sldId id="260" r:id="rId9"/>
+    <p:sldId id="259" r:id="rId10"/>
+    <p:sldId id="272" r:id="rId11"/>
     <p:sldId id="270" r:id="rId12"/>
     <p:sldId id="261" r:id="rId13"/>
     <p:sldId id="271" r:id="rId14"/>
@@ -5897,7 +5897,7 @@
         </p:nvSpPr>
         <p:spPr>
           <a:xfrm>
-            <a:off x="9806609" y="2775818"/>
+            <a:off x="9824365" y="2174499"/>
             <a:ext cx="2647121" cy="1922589"/>
           </a:xfrm>
           <a:prstGeom prst="rect">
@@ -6156,34 +6156,127 @@
       </p:grpSpPr>
       <p:sp>
         <p:nvSpPr>
-          <p:cNvPr id="10" name="CasellaDiTesto 9">
+          <p:cNvPr id="3" name="Segnaposto testo 2">
             <a:extLst>
               <a:ext uri="{FF2B5EF4-FFF2-40B4-BE49-F238E27FC236}">
-                <a16:creationId xmlns:a16="http://schemas.microsoft.com/office/drawing/2014/main" id="{A0F8E7F3-F9E4-4092-96A1-56EE6BEDAFAF}"/>
+                <a16:creationId xmlns:a16="http://schemas.microsoft.com/office/drawing/2014/main" id="{833C6556-C036-47BE-BE7F-679A48ADC3C0}"/>
               </a:ext>
             </a:extLst>
           </p:cNvPr>
-          <p:cNvSpPr txBox="1"/>
+          <p:cNvSpPr>
+            <a:spLocks noGrp="1"/>
+          </p:cNvSpPr>
+          <p:nvPr>
+            <p:ph type="body" sz="half" idx="2"/>
+          </p:nvPr>
+        </p:nvSpPr>
+        <p:spPr/>
+        <p:txBody>
+          <a:bodyPr/>
+          <a:lstStyle/>
+          <a:p>
+            <a:endParaRPr lang="it-IT"/>
+          </a:p>
+        </p:txBody>
+      </p:sp>
+      <p:sp>
+        <p:nvSpPr>
+          <p:cNvPr id="5" name="Rettangolo 4">
+            <a:extLst>
+              <a:ext uri="{FF2B5EF4-FFF2-40B4-BE49-F238E27FC236}">
+                <a16:creationId xmlns:a16="http://schemas.microsoft.com/office/drawing/2014/main" id="{839FB6C4-A842-4938-A90E-48F540C57914}"/>
+              </a:ext>
+            </a:extLst>
+          </p:cNvPr>
+          <p:cNvSpPr/>
           <p:nvPr/>
         </p:nvSpPr>
         <p:spPr>
           <a:xfrm>
-            <a:off x="5496866" y="552450"/>
-            <a:ext cx="6096000" cy="830997"/>
+            <a:off x="0" y="6521696"/>
+            <a:ext cx="11820525" cy="369332"/>
           </a:xfrm>
           <a:prstGeom prst="rect">
             <a:avLst/>
           </a:prstGeom>
-          <a:noFill/>
-        </p:spPr>
-        <p:txBody>
-          <a:bodyPr wrap="square" rtlCol="0">
+        </p:spPr>
+        <p:txBody>
+          <a:bodyPr wrap="square">
             <a:spAutoFit/>
           </a:bodyPr>
           <a:lstStyle/>
           <a:p>
             <a:r>
-              <a:rPr lang="it-IT" sz="4800" dirty="0">
+              <a:rPr lang="it-IT" dirty="0"/>
+              <a:t>Tra i modelli polinomiali, il migliore risulta quindi essere quello di quarto ordine, dove non abbiamo overfit. </a:t>
+            </a:r>
+          </a:p>
+        </p:txBody>
+      </p:sp>
+      <p:pic>
+        <p:nvPicPr>
+          <p:cNvPr id="8" name="Immagine 7">
+            <a:extLst>
+              <a:ext uri="{FF2B5EF4-FFF2-40B4-BE49-F238E27FC236}">
+                <a16:creationId xmlns:a16="http://schemas.microsoft.com/office/drawing/2014/main" id="{57626B4F-4F50-4D77-99E4-B8E9820EEE09}"/>
+              </a:ext>
+            </a:extLst>
+          </p:cNvPr>
+          <p:cNvPicPr>
+            <a:picLocks noChangeAspect="1"/>
+          </p:cNvPicPr>
+          <p:nvPr/>
+        </p:nvPicPr>
+        <p:blipFill rotWithShape="1">
+          <a:blip r:embed="rId2">
+            <a:extLst>
+              <a:ext uri="{28A0092B-C50C-407E-A947-70E740481C1C}">
+                <a14:useLocalDpi xmlns:a14="http://schemas.microsoft.com/office/drawing/2010/main" val="0"/>
+              </a:ext>
+            </a:extLst>
+          </a:blip>
+          <a:srcRect t="7232"/>
+          <a:stretch/>
+        </p:blipFill>
+        <p:spPr>
+          <a:xfrm>
+            <a:off x="0" y="1352550"/>
+            <a:ext cx="12192000" cy="5680825"/>
+          </a:xfrm>
+          <a:prstGeom prst="rect">
+            <a:avLst/>
+          </a:prstGeom>
+        </p:spPr>
+      </p:pic>
+      <p:sp>
+        <p:nvSpPr>
+          <p:cNvPr id="9" name="Rettangolo 8">
+            <a:extLst>
+              <a:ext uri="{FF2B5EF4-FFF2-40B4-BE49-F238E27FC236}">
+                <a16:creationId xmlns:a16="http://schemas.microsoft.com/office/drawing/2014/main" id="{27402D9F-6991-4691-885F-C0785E1029B6}"/>
+              </a:ext>
+            </a:extLst>
+          </p:cNvPr>
+          <p:cNvSpPr/>
+          <p:nvPr/>
+        </p:nvSpPr>
+        <p:spPr>
+          <a:xfrm>
+            <a:off x="1100081" y="232745"/>
+            <a:ext cx="9991838" cy="830997"/>
+          </a:xfrm>
+          <a:prstGeom prst="rect">
+            <a:avLst/>
+          </a:prstGeom>
+        </p:spPr>
+        <p:txBody>
+          <a:bodyPr wrap="none">
+            <a:spAutoFit/>
+          </a:bodyPr>
+          <a:lstStyle/>
+          <a:p>
+            <a:r>
+              <a:rPr lang="en-US" sz="4800" dirty="0">
                 <a:solidFill>
                   <a:srgbClr val="FF0000"/>
                 </a:solidFill>
@@ -6195,175 +6288,16 @@
                   </a:outerShdw>
                 </a:effectLst>
               </a:rPr>
-              <a:t>DETRENDIZZAZIONE</a:t>
-            </a:r>
-          </a:p>
-        </p:txBody>
-      </p:sp>
-      <p:pic>
-        <p:nvPicPr>
-          <p:cNvPr id="6" name="Immagine 5">
-            <a:extLst>
-              <a:ext uri="{FF2B5EF4-FFF2-40B4-BE49-F238E27FC236}">
-                <a16:creationId xmlns:a16="http://schemas.microsoft.com/office/drawing/2014/main" id="{70FA7537-3C36-483F-AE14-7EFBD3B1C9AE}"/>
-              </a:ext>
-            </a:extLst>
-          </p:cNvPr>
-          <p:cNvPicPr>
-            <a:picLocks noChangeAspect="1"/>
-          </p:cNvPicPr>
-          <p:nvPr/>
-        </p:nvPicPr>
-        <p:blipFill rotWithShape="1">
-          <a:blip r:embed="rId2">
-            <a:extLst>
-              <a:ext uri="{28A0092B-C50C-407E-A947-70E740481C1C}">
-                <a14:useLocalDpi xmlns:a14="http://schemas.microsoft.com/office/drawing/2010/main" val="0"/>
-              </a:ext>
-            </a:extLst>
-          </a:blip>
-          <a:srcRect l="5934" t="1887" r="7237" b="1095"/>
-          <a:stretch/>
-        </p:blipFill>
-        <p:spPr>
-          <a:xfrm>
-            <a:off x="5638801" y="1295400"/>
-            <a:ext cx="6553200" cy="5491610"/>
-          </a:xfrm>
-          <a:prstGeom prst="rect">
-            <a:avLst/>
-          </a:prstGeom>
-        </p:spPr>
-      </p:pic>
-      <p:pic>
-        <p:nvPicPr>
-          <p:cNvPr id="3" name="Immagine 2">
-            <a:extLst>
-              <a:ext uri="{FF2B5EF4-FFF2-40B4-BE49-F238E27FC236}">
-                <a16:creationId xmlns:a16="http://schemas.microsoft.com/office/drawing/2014/main" id="{D73C3639-2E32-4B01-8438-2E581D97C2D2}"/>
-              </a:ext>
-            </a:extLst>
-          </p:cNvPr>
-          <p:cNvPicPr>
-            <a:picLocks noChangeAspect="1"/>
-          </p:cNvPicPr>
-          <p:nvPr/>
-        </p:nvPicPr>
-        <p:blipFill>
-          <a:blip r:embed="rId3">
-            <a:extLst>
-              <a:ext uri="{28A0092B-C50C-407E-A947-70E740481C1C}">
-                <a14:useLocalDpi xmlns:a14="http://schemas.microsoft.com/office/drawing/2010/main" val="0"/>
-              </a:ext>
-            </a:extLst>
-          </a:blip>
-          <a:stretch>
-            <a:fillRect/>
-          </a:stretch>
-        </p:blipFill>
-        <p:spPr>
-          <a:xfrm>
-            <a:off x="219075" y="5155476"/>
-            <a:ext cx="5553895" cy="1105054"/>
-          </a:xfrm>
-          <a:prstGeom prst="rect">
-            <a:avLst/>
-          </a:prstGeom>
-        </p:spPr>
-      </p:pic>
-      <p:sp>
-        <p:nvSpPr>
-          <p:cNvPr id="11" name="CasellaDiTesto 10">
-            <a:extLst>
-              <a:ext uri="{FF2B5EF4-FFF2-40B4-BE49-F238E27FC236}">
-                <a16:creationId xmlns:a16="http://schemas.microsoft.com/office/drawing/2014/main" id="{EEB5E77D-8BEA-4227-B5FD-EA1DCD7555EA}"/>
-              </a:ext>
-            </a:extLst>
-          </p:cNvPr>
-          <p:cNvSpPr txBox="1"/>
-          <p:nvPr/>
-        </p:nvSpPr>
-        <p:spPr>
-          <a:xfrm>
-            <a:off x="476250" y="1762125"/>
-            <a:ext cx="4457700" cy="1200329"/>
-          </a:xfrm>
-          <a:prstGeom prst="rect">
-            <a:avLst/>
-          </a:prstGeom>
-          <a:noFill/>
-        </p:spPr>
-        <p:txBody>
-          <a:bodyPr wrap="square" rtlCol="0">
-            <a:spAutoFit/>
-          </a:bodyPr>
-          <a:lstStyle/>
-          <a:p>
-            <a:r>
-              <a:rPr lang="it-IT" dirty="0"/>
-              <a:t>L</a:t>
-            </a:r>
-            <a:r>
-              <a:rPr lang="it-IT" b="1" dirty="0"/>
-              <a:t>’identificazione</a:t>
-            </a:r>
-            <a:r>
-              <a:rPr lang="it-IT" dirty="0"/>
-              <a:t> viene effettuata su dati detrendizzati rispetto all’anno di identificazione.</a:t>
-            </a:r>
-          </a:p>
-          <a:p>
-            <a:endParaRPr lang="it-IT" dirty="0"/>
-          </a:p>
-        </p:txBody>
-      </p:sp>
-      <p:sp>
-        <p:nvSpPr>
-          <p:cNvPr id="13" name="CasellaDiTesto 12">
-            <a:extLst>
-              <a:ext uri="{FF2B5EF4-FFF2-40B4-BE49-F238E27FC236}">
-                <a16:creationId xmlns:a16="http://schemas.microsoft.com/office/drawing/2014/main" id="{A62445CD-0A29-41D2-925A-684E7519ACE4}"/>
-              </a:ext>
-            </a:extLst>
-          </p:cNvPr>
-          <p:cNvSpPr txBox="1"/>
-          <p:nvPr/>
-        </p:nvSpPr>
-        <p:spPr>
-          <a:xfrm>
-            <a:off x="476250" y="2695218"/>
-            <a:ext cx="4314825" cy="1200329"/>
-          </a:xfrm>
-          <a:prstGeom prst="rect">
-            <a:avLst/>
-          </a:prstGeom>
-          <a:noFill/>
-        </p:spPr>
-        <p:txBody>
-          <a:bodyPr wrap="square" rtlCol="0">
-            <a:spAutoFit/>
-          </a:bodyPr>
-          <a:lstStyle/>
-          <a:p>
-            <a:r>
-              <a:rPr lang="it-IT" dirty="0"/>
-              <a:t>In fase di </a:t>
-            </a:r>
-            <a:r>
-              <a:rPr lang="it-IT" b="1" dirty="0"/>
-              <a:t>validazione</a:t>
-            </a:r>
-            <a:r>
-              <a:rPr lang="it-IT" dirty="0"/>
-              <a:t> la stima viene confrontata con i dati di validazione detrendizzati rispetto al trend dell’anno di validazione. </a:t>
-            </a:r>
+              <a:t>PLOT MODELLO QUARTO ORDINE</a:t>
+            </a:r>
+            <a:endParaRPr lang="it-IT" sz="4800" dirty="0"/>
           </a:p>
         </p:txBody>
       </p:sp>
     </p:spTree>
     <p:extLst>
       <p:ext uri="{BB962C8B-B14F-4D97-AF65-F5344CB8AC3E}">
-        <p14:creationId xmlns:p14="http://schemas.microsoft.com/office/powerpoint/2010/main" val="1922628029"/>
+        <p14:creationId xmlns:p14="http://schemas.microsoft.com/office/powerpoint/2010/main" val="654288896"/>
       </p:ext>
     </p:extLst>
   </p:cSld>
@@ -6716,8 +6650,116 @@
         </p:blipFill>
         <p:spPr>
           <a:xfrm>
-            <a:off x="1362411" y="5453660"/>
+            <a:off x="1694779" y="5444329"/>
             <a:ext cx="8192406" cy="405614"/>
+          </a:xfrm>
+          <a:prstGeom prst="rect">
+            <a:avLst/>
+          </a:prstGeom>
+        </p:spPr>
+      </p:pic>
+      <p:pic>
+        <p:nvPicPr>
+          <p:cNvPr id="5" name="Immagine 4">
+            <a:extLst>
+              <a:ext uri="{FF2B5EF4-FFF2-40B4-BE49-F238E27FC236}">
+                <a16:creationId xmlns:a16="http://schemas.microsoft.com/office/drawing/2014/main" id="{D063218E-4F7D-43E1-BBF7-4896B85D4E13}"/>
+              </a:ext>
+            </a:extLst>
+          </p:cNvPr>
+          <p:cNvPicPr>
+            <a:picLocks noChangeAspect="1"/>
+          </p:cNvPicPr>
+          <p:nvPr/>
+        </p:nvPicPr>
+        <p:blipFill>
+          <a:blip r:embed="rId4">
+            <a:extLst>
+              <a:ext uri="{28A0092B-C50C-407E-A947-70E740481C1C}">
+                <a14:useLocalDpi xmlns:a14="http://schemas.microsoft.com/office/drawing/2010/main" val="0"/>
+              </a:ext>
+            </a:extLst>
+          </a:blip>
+          <a:stretch>
+            <a:fillRect/>
+          </a:stretch>
+        </p:blipFill>
+        <p:spPr>
+          <a:xfrm>
+            <a:off x="9687962" y="2559955"/>
+            <a:ext cx="45719" cy="1095528"/>
+          </a:xfrm>
+          <a:prstGeom prst="rect">
+            <a:avLst/>
+          </a:prstGeom>
+        </p:spPr>
+      </p:pic>
+      <p:pic>
+        <p:nvPicPr>
+          <p:cNvPr id="8" name="Immagine 7">
+            <a:extLst>
+              <a:ext uri="{FF2B5EF4-FFF2-40B4-BE49-F238E27FC236}">
+                <a16:creationId xmlns:a16="http://schemas.microsoft.com/office/drawing/2014/main" id="{E656B87F-D5AA-4B6E-BDB8-DE57BC7BF761}"/>
+              </a:ext>
+            </a:extLst>
+          </p:cNvPr>
+          <p:cNvPicPr>
+            <a:picLocks noChangeAspect="1"/>
+          </p:cNvPicPr>
+          <p:nvPr/>
+        </p:nvPicPr>
+        <p:blipFill>
+          <a:blip r:embed="rId4">
+            <a:extLst>
+              <a:ext uri="{28A0092B-C50C-407E-A947-70E740481C1C}">
+                <a14:useLocalDpi xmlns:a14="http://schemas.microsoft.com/office/drawing/2010/main" val="0"/>
+              </a:ext>
+            </a:extLst>
+          </a:blip>
+          <a:stretch>
+            <a:fillRect/>
+          </a:stretch>
+        </p:blipFill>
+        <p:spPr>
+          <a:xfrm>
+            <a:off x="9139062" y="5369066"/>
+            <a:ext cx="1848108" cy="1095528"/>
+          </a:xfrm>
+          <a:prstGeom prst="rect">
+            <a:avLst/>
+          </a:prstGeom>
+        </p:spPr>
+      </p:pic>
+      <p:pic>
+        <p:nvPicPr>
+          <p:cNvPr id="11" name="Immagine 10">
+            <a:extLst>
+              <a:ext uri="{FF2B5EF4-FFF2-40B4-BE49-F238E27FC236}">
+                <a16:creationId xmlns:a16="http://schemas.microsoft.com/office/drawing/2014/main" id="{1BA5E4DB-1041-4972-A9AB-D61824E98CB8}"/>
+              </a:ext>
+            </a:extLst>
+          </p:cNvPr>
+          <p:cNvPicPr>
+            <a:picLocks noChangeAspect="1"/>
+          </p:cNvPicPr>
+          <p:nvPr/>
+        </p:nvPicPr>
+        <p:blipFill>
+          <a:blip r:embed="rId4">
+            <a:extLst>
+              <a:ext uri="{28A0092B-C50C-407E-A947-70E740481C1C}">
+                <a14:useLocalDpi xmlns:a14="http://schemas.microsoft.com/office/drawing/2010/main" val="0"/>
+              </a:ext>
+            </a:extLst>
+          </a:blip>
+          <a:stretch>
+            <a:fillRect/>
+          </a:stretch>
+        </p:blipFill>
+        <p:spPr>
+          <a:xfrm>
+            <a:off x="9108839" y="4949285"/>
+            <a:ext cx="1848108" cy="266527"/>
           </a:xfrm>
           <a:prstGeom prst="rect">
             <a:avLst/>
@@ -6998,7 +7040,7 @@
           <a:p>
             <a:r>
               <a:rPr lang="it-IT" sz="2000" dirty="0"/>
-              <a:t>Abbiamo considerato un modello per l’andamento dei consumi durante le 24 ore della giornata ed uno per l’andamento dei consumi durante le 52 domeniche dell’anno.</a:t>
+              <a:t>Abbiamo considerato un modello per l’andamento dei consumi durante le 24 ore della giornata e uno per l’andamento dei consumi durante le 52 domeniche dell’anno.</a:t>
             </a:r>
             <a:br>
               <a:rPr lang="it-IT" sz="2000" dirty="0"/>
@@ -7697,7 +7739,7 @@
         </p:spPr>
         <p:txBody>
           <a:bodyPr>
-            <a:normAutofit lnSpcReduction="10000"/>
+            <a:normAutofit fontScale="92500" lnSpcReduction="10000"/>
           </a:bodyPr>
           <a:lstStyle/>
           <a:p>
@@ -7721,7 +7763,7 @@
             </a:r>
           </a:p>
           <a:p>
-            <a:pPr algn="r"/>
+            <a:pPr algn="just"/>
             <a:r>
               <a:rPr lang="it-IT" sz="2800" dirty="0"/>
               <a:t>Nella fase di </a:t>
@@ -7756,21 +7798,7 @@
             </a:r>
             <a:r>
               <a:rPr lang="it-IT" sz="2800" dirty="0"/>
-              <a:t>l’identificazione viene effettuata sul </a:t>
-            </a:r>
-            <a:r>
-              <a:rPr lang="it-IT" sz="2800" i="1" dirty="0">
-                <a:solidFill>
-                  <a:schemeClr val="accent6">
-                    <a:lumMod val="50000"/>
-                  </a:schemeClr>
-                </a:solidFill>
-              </a:rPr>
-              <a:t>secondo anno </a:t>
-            </a:r>
-            <a:r>
-              <a:rPr lang="it-IT" sz="2800" dirty="0"/>
-              <a:t>piuttosto che sul primo o sulla media tra i due, poiché è più probabile che i consumi del terzo anno siano simili a quelli del secondo. </a:t>
+              <a:t>l’identificazione viene effettuata sul secondo anno piuttosto che sul primo o sulla media tra i due, poiché è più probabile che i consumi del terzo anno siano più simili a quelli del secondo rispetto che a quelli del primo. </a:t>
             </a:r>
           </a:p>
         </p:txBody>
@@ -8083,7 +8111,7 @@
         </p:nvSpPr>
         <p:spPr>
           <a:xfrm>
-            <a:off x="4072158" y="1152525"/>
+            <a:off x="4072158" y="1534265"/>
             <a:ext cx="7454077" cy="4171950"/>
           </a:xfrm>
         </p:spPr>
@@ -8099,9 +8127,7 @@
             <a:r>
               <a:rPr lang="it-IT" sz="2800" dirty="0">
                 <a:solidFill>
-                  <a:schemeClr val="accent6">
-                    <a:lumMod val="75000"/>
-                  </a:schemeClr>
+                  <a:srgbClr val="FF0000"/>
                 </a:solidFill>
                 <a:effectLst>
                   <a:outerShdw blurRad="38100" dist="38100" dir="2700000" algn="tl">
@@ -8134,11 +8160,11 @@
                   </a:outerShdw>
                 </a:effectLst>
               </a:rPr>
-              <a:t>Identificare un modello </a:t>
+              <a:t>Predire il consumo </a:t>
             </a:r>
             <a:r>
               <a:rPr lang="it-IT" sz="2800" dirty="0"/>
-              <a:t>che segua l’andamento dei consumi elettrici della domenica in funzione del giorno e dell’ora;</a:t>
+              <a:t>di ogni ora delle domeniche dell’anno successivo agli anni dati</a:t>
             </a:r>
           </a:p>
           <a:p>
@@ -8153,11 +8179,11 @@
                   </a:outerShdw>
                 </a:effectLst>
               </a:rPr>
-              <a:t>Predire il consumo </a:t>
+              <a:t>Realizzare una funzione </a:t>
             </a:r>
             <a:r>
               <a:rPr lang="it-IT" sz="2800" dirty="0"/>
-              <a:t>di una domenica  dell’anno successivo a quelli dati mediante una funzione Matlab che prenda in ingresso due scalari, ora e giorno. </a:t>
+              <a:t>che restituisca la previsione corrispondente all’ora e al giorno dell’anno (che deve essere una domenica) ricevuti in input</a:t>
             </a:r>
           </a:p>
         </p:txBody>
@@ -8255,7 +8281,7 @@
           <p:nvPr>
             <p:extLst>
               <p:ext uri="{D42A27DB-BD31-4B8C-83A1-F6EECF244321}">
-                <p14:modId xmlns:p14="http://schemas.microsoft.com/office/powerpoint/2010/main" val="1865068047"/>
+                <p14:modId xmlns:p14="http://schemas.microsoft.com/office/powerpoint/2010/main" val="3255158627"/>
               </p:ext>
             </p:extLst>
           </p:nvPr>
@@ -8299,6 +8325,7 @@
                     <a:bodyPr/>
                     <a:lstStyle/>
                     <a:p>
+                      <a:pPr algn="ctr"/>
                       <a:r>
                         <a:rPr lang="it-IT" dirty="0"/>
                         <a:t>Armoniche ore</a:t>
@@ -8312,6 +8339,7 @@
                     <a:bodyPr/>
                     <a:lstStyle/>
                     <a:p>
+                      <a:pPr algn="ctr"/>
                       <a:r>
                         <a:rPr lang="it-IT" dirty="0"/>
                         <a:t>Armoniche giorni</a:t>
@@ -8325,6 +8353,7 @@
                     <a:bodyPr/>
                     <a:lstStyle/>
                     <a:p>
+                      <a:pPr algn="ctr"/>
                       <a:r>
                         <a:rPr lang="it-IT" dirty="0"/>
                         <a:t>SSR validazione</a:t>
@@ -8345,6 +8374,7 @@
                     <a:bodyPr/>
                     <a:lstStyle/>
                     <a:p>
+                      <a:pPr algn="ctr"/>
                       <a:r>
                         <a:rPr lang="it-IT" dirty="0"/>
                         <a:t>9</a:t>
@@ -8358,6 +8388,7 @@
                     <a:bodyPr/>
                     <a:lstStyle/>
                     <a:p>
+                      <a:pPr algn="ctr"/>
                       <a:r>
                         <a:rPr lang="it-IT" dirty="0"/>
                         <a:t>5</a:t>
@@ -8371,6 +8402,7 @@
                     <a:bodyPr/>
                     <a:lstStyle/>
                     <a:p>
+                      <a:pPr algn="ctr"/>
                       <a:r>
                         <a:rPr lang="it-IT" sz="1800" dirty="0"/>
                         <a:t>3.5977</a:t>
@@ -8404,6 +8436,7 @@
                     <a:bodyPr/>
                     <a:lstStyle/>
                     <a:p>
+                      <a:pPr algn="ctr"/>
                       <a:r>
                         <a:rPr lang="it-IT" dirty="0"/>
                         <a:t>8</a:t>
@@ -8417,6 +8450,7 @@
                     <a:bodyPr/>
                     <a:lstStyle/>
                     <a:p>
+                      <a:pPr algn="ctr"/>
                       <a:r>
                         <a:rPr lang="it-IT" dirty="0"/>
                         <a:t>5</a:t>
@@ -8430,6 +8464,7 @@
                     <a:bodyPr/>
                     <a:lstStyle/>
                     <a:p>
+                      <a:pPr algn="ctr"/>
                       <a:r>
                         <a:rPr lang="it-IT" sz="1800" dirty="0"/>
                         <a:t>3.6045</a:t>
@@ -8463,6 +8498,7 @@
                     <a:bodyPr/>
                     <a:lstStyle/>
                     <a:p>
+                      <a:pPr algn="ctr"/>
                       <a:r>
                         <a:rPr lang="it-IT" dirty="0"/>
                         <a:t>10</a:t>
@@ -8476,6 +8512,7 @@
                     <a:bodyPr/>
                     <a:lstStyle/>
                     <a:p>
+                      <a:pPr algn="ctr"/>
                       <a:r>
                         <a:rPr lang="it-IT" dirty="0"/>
                         <a:t>5</a:t>
@@ -8489,6 +8526,7 @@
                     <a:bodyPr/>
                     <a:lstStyle/>
                     <a:p>
+                      <a:pPr algn="ctr"/>
                       <a:r>
                         <a:rPr lang="it-IT" sz="1800" dirty="0"/>
                         <a:t>3.5967</a:t>
@@ -8522,6 +8560,7 @@
                     <a:bodyPr/>
                     <a:lstStyle/>
                     <a:p>
+                      <a:pPr algn="ctr"/>
                       <a:r>
                         <a:rPr lang="it-IT" b="1" dirty="0">
                           <a:solidFill>
@@ -8546,6 +8585,7 @@
                     <a:bodyPr/>
                     <a:lstStyle/>
                     <a:p>
+                      <a:pPr algn="ctr"/>
                       <a:r>
                         <a:rPr lang="it-IT" b="1" dirty="0">
                           <a:solidFill>
@@ -8570,6 +8610,7 @@
                     <a:bodyPr/>
                     <a:lstStyle/>
                     <a:p>
+                      <a:pPr algn="ctr"/>
                       <a:r>
                         <a:rPr lang="it-IT" sz="1800" dirty="0">
                           <a:solidFill>
@@ -8643,6 +8684,7 @@
                     <a:bodyPr/>
                     <a:lstStyle/>
                     <a:p>
+                      <a:pPr algn="ctr"/>
                       <a:r>
                         <a:rPr lang="it-IT" dirty="0"/>
                         <a:t>12</a:t>
@@ -8656,6 +8698,7 @@
                     <a:bodyPr/>
                     <a:lstStyle/>
                     <a:p>
+                      <a:pPr algn="ctr"/>
                       <a:r>
                         <a:rPr lang="it-IT" b="1" dirty="0"/>
                         <a:t>5</a:t>
@@ -8669,6 +8712,7 @@
                     <a:bodyPr/>
                     <a:lstStyle/>
                     <a:p>
+                      <a:pPr algn="ctr"/>
                       <a:r>
                         <a:rPr lang="it-IT" sz="1800" dirty="0"/>
                         <a:t>3.5929</a:t>
@@ -8702,6 +8746,7 @@
                     <a:bodyPr/>
                     <a:lstStyle/>
                     <a:p>
+                      <a:pPr algn="ctr"/>
                       <a:r>
                         <a:rPr lang="it-IT" b="1" dirty="0"/>
                         <a:t>11</a:t>
@@ -8715,6 +8760,7 @@
                     <a:bodyPr/>
                     <a:lstStyle/>
                     <a:p>
+                      <a:pPr algn="ctr"/>
                       <a:r>
                         <a:rPr lang="it-IT" dirty="0"/>
                         <a:t>6</a:t>
@@ -8728,6 +8774,7 @@
                     <a:bodyPr/>
                     <a:lstStyle/>
                     <a:p>
+                      <a:pPr algn="ctr"/>
                       <a:r>
                         <a:rPr lang="it-IT" sz="1800" dirty="0"/>
                         <a:t>3.5950</a:t>
@@ -8761,6 +8808,7 @@
                     <a:bodyPr/>
                     <a:lstStyle/>
                     <a:p>
+                      <a:pPr algn="ctr"/>
                       <a:r>
                         <a:rPr lang="it-IT" b="1" dirty="0"/>
                         <a:t>11</a:t>
@@ -8774,6 +8822,7 @@
                     <a:bodyPr/>
                     <a:lstStyle/>
                     <a:p>
+                      <a:pPr algn="ctr"/>
                       <a:r>
                         <a:rPr lang="it-IT" dirty="0"/>
                         <a:t>4</a:t>
@@ -8787,6 +8836,7 @@
                     <a:bodyPr/>
                     <a:lstStyle/>
                     <a:p>
+                      <a:pPr algn="ctr"/>
                       <a:r>
                         <a:rPr lang="it-IT" sz="1800" dirty="0"/>
                         <a:t>3.8832</a:t>
@@ -8833,7 +8883,7 @@
           <p:nvPr>
             <p:extLst>
               <p:ext uri="{D42A27DB-BD31-4B8C-83A1-F6EECF244321}">
-                <p14:modId xmlns:p14="http://schemas.microsoft.com/office/powerpoint/2010/main" val="1699285990"/>
+                <p14:modId xmlns:p14="http://schemas.microsoft.com/office/powerpoint/2010/main" val="4108775289"/>
               </p:ext>
             </p:extLst>
           </p:nvPr>
@@ -8877,6 +8927,7 @@
                     <a:bodyPr/>
                     <a:lstStyle/>
                     <a:p>
+                      <a:pPr algn="ctr"/>
                       <a:r>
                         <a:rPr lang="it-IT" dirty="0"/>
                         <a:t>Armoniche ore</a:t>
@@ -8890,6 +8941,7 @@
                     <a:bodyPr/>
                     <a:lstStyle/>
                     <a:p>
+                      <a:pPr algn="ctr"/>
                       <a:r>
                         <a:rPr lang="it-IT" dirty="0"/>
                         <a:t>Armoniche giorni</a:t>
@@ -8903,6 +8955,7 @@
                     <a:bodyPr/>
                     <a:lstStyle/>
                     <a:p>
+                      <a:pPr algn="ctr"/>
                       <a:r>
                         <a:rPr lang="it-IT" dirty="0"/>
                         <a:t>SSR validazione</a:t>
@@ -8923,6 +8976,7 @@
                     <a:bodyPr/>
                     <a:lstStyle/>
                     <a:p>
+                      <a:pPr algn="ctr"/>
                       <a:r>
                         <a:rPr lang="it-IT" dirty="0"/>
                         <a:t>10</a:t>
@@ -8936,6 +8990,7 @@
                     <a:bodyPr/>
                     <a:lstStyle/>
                     <a:p>
+                      <a:pPr algn="ctr"/>
                       <a:r>
                         <a:rPr lang="it-IT" dirty="0"/>
                         <a:t>6</a:t>
@@ -8949,6 +9004,7 @@
                     <a:bodyPr/>
                     <a:lstStyle/>
                     <a:p>
+                      <a:pPr algn="ctr"/>
                       <a:r>
                         <a:rPr lang="it-IT" sz="1800" dirty="0"/>
                         <a:t>3.3668</a:t>
@@ -8982,6 +9038,7 @@
                     <a:bodyPr/>
                     <a:lstStyle/>
                     <a:p>
+                      <a:pPr algn="ctr"/>
                       <a:r>
                         <a:rPr lang="it-IT" dirty="0"/>
                         <a:t>10</a:t>
@@ -8995,6 +9052,7 @@
                     <a:bodyPr/>
                     <a:lstStyle/>
                     <a:p>
+                      <a:pPr algn="ctr"/>
                       <a:r>
                         <a:rPr lang="it-IT" b="1" dirty="0"/>
                         <a:t>5</a:t>
@@ -9008,6 +9066,7 @@
                     <a:bodyPr/>
                     <a:lstStyle/>
                     <a:p>
+                      <a:pPr algn="ctr"/>
                       <a:r>
                         <a:rPr lang="it-IT" sz="1800" dirty="0"/>
                         <a:t>3.2715</a:t>
@@ -9041,6 +9100,7 @@
                     <a:bodyPr/>
                     <a:lstStyle/>
                     <a:p>
+                      <a:pPr algn="ctr"/>
                       <a:r>
                         <a:rPr lang="it-IT" dirty="0"/>
                         <a:t>10</a:t>
@@ -9054,6 +9114,7 @@
                     <a:bodyPr/>
                     <a:lstStyle/>
                     <a:p>
+                      <a:pPr algn="ctr"/>
                       <a:r>
                         <a:rPr lang="it-IT" dirty="0"/>
                         <a:t>4</a:t>
@@ -9067,6 +9128,7 @@
                     <a:bodyPr/>
                     <a:lstStyle/>
                     <a:p>
+                      <a:pPr algn="ctr"/>
                       <a:r>
                         <a:rPr lang="it-IT" sz="1800" dirty="0"/>
                         <a:t>3.3077</a:t>
@@ -9100,6 +9162,7 @@
                     <a:bodyPr/>
                     <a:lstStyle/>
                     <a:p>
+                      <a:pPr algn="ctr"/>
                       <a:r>
                         <a:rPr lang="it-IT" b="1" dirty="0">
                           <a:solidFill>
@@ -9124,6 +9187,7 @@
                     <a:bodyPr/>
                     <a:lstStyle/>
                     <a:p>
+                      <a:pPr algn="ctr"/>
                       <a:r>
                         <a:rPr lang="it-IT" b="1" dirty="0">
                           <a:solidFill>
@@ -9148,6 +9212,7 @@
                     <a:bodyPr/>
                     <a:lstStyle/>
                     <a:p>
+                      <a:pPr algn="ctr"/>
                       <a:r>
                         <a:rPr lang="it-IT" sz="1800" dirty="0">
                           <a:solidFill>
@@ -9221,6 +9286,7 @@
                     <a:bodyPr/>
                     <a:lstStyle/>
                     <a:p>
+                      <a:pPr algn="ctr"/>
                       <a:r>
                         <a:rPr lang="it-IT" dirty="0"/>
                         <a:t>11</a:t>
@@ -9234,6 +9300,7 @@
                     <a:bodyPr/>
                     <a:lstStyle/>
                     <a:p>
+                      <a:pPr algn="ctr"/>
                       <a:r>
                         <a:rPr lang="it-IT" dirty="0"/>
                         <a:t>6</a:t>
@@ -9247,6 +9314,7 @@
                     <a:bodyPr/>
                     <a:lstStyle/>
                     <a:p>
+                      <a:pPr algn="ctr"/>
                       <a:r>
                         <a:rPr lang="it-IT" sz="1800" dirty="0"/>
                         <a:t>3.2783</a:t>
@@ -9704,7 +9772,7 @@
           <p:nvPr>
             <p:extLst>
               <p:ext uri="{D42A27DB-BD31-4B8C-83A1-F6EECF244321}">
-                <p14:modId xmlns:p14="http://schemas.microsoft.com/office/powerpoint/2010/main" val="2641522073"/>
+                <p14:modId xmlns:p14="http://schemas.microsoft.com/office/powerpoint/2010/main" val="216782587"/>
               </p:ext>
             </p:extLst>
           </p:nvPr>
@@ -9743,7 +9811,9 @@
                     <a:p>
                       <a:pPr algn="ctr"/>
                       <a:r>
-                        <a:rPr lang="it-IT" sz="1400" b="0" dirty="0"/>
+                        <a:rPr lang="it-IT" sz="1400" b="0" dirty="0">
+                          <a:effectLst/>
+                        </a:rPr>
                         <a:t>TEST</a:t>
                       </a:r>
                     </a:p>
@@ -9757,7 +9827,9 @@
                     <a:p>
                       <a:pPr algn="ctr"/>
                       <a:r>
-                        <a:rPr lang="it-IT" sz="1400" b="0" dirty="0"/>
+                        <a:rPr lang="it-IT" sz="1400" b="0" dirty="0">
+                          <a:effectLst/>
+                        </a:rPr>
                         <a:t>VALORE</a:t>
                       </a:r>
                     </a:p>
@@ -9776,8 +9848,11 @@
                     <a:bodyPr/>
                     <a:lstStyle/>
                     <a:p>
+                      <a:pPr algn="ctr"/>
                       <a:r>
-                        <a:rPr lang="it-IT" sz="1400" dirty="0"/>
+                        <a:rPr lang="it-IT" sz="1400" dirty="0">
+                          <a:effectLst/>
+                        </a:rPr>
                         <a:t>SSR</a:t>
                       </a:r>
                     </a:p>
@@ -9789,7 +9864,7 @@
                     <a:bodyPr/>
                     <a:lstStyle/>
                     <a:p>
-                      <a:pPr marL="0" marR="0" lvl="0" indent="0" algn="l" defTabSz="914400" rtl="0" eaLnBrk="1" fontAlgn="auto" latinLnBrk="0" hangingPunct="1">
+                      <a:pPr marL="0" marR="0" lvl="0" indent="0" algn="ctr" defTabSz="914400" rtl="0" eaLnBrk="1" fontAlgn="auto" latinLnBrk="0" hangingPunct="1">
                         <a:lnSpc>
                           <a:spcPct val="100000"/>
                         </a:lnSpc>
@@ -9807,7 +9882,9 @@
                         <a:defRPr/>
                       </a:pPr>
                       <a:r>
-                        <a:rPr lang="it-IT" sz="1400" dirty="0"/>
+                        <a:rPr lang="it-IT" sz="1400" dirty="0">
+                          <a:effectLst/>
+                        </a:rPr>
                         <a:t>3.27</a:t>
                       </a:r>
                       <a:r>
@@ -9847,8 +9924,11 @@
                     <a:bodyPr/>
                     <a:lstStyle/>
                     <a:p>
+                      <a:pPr algn="ctr"/>
                       <a:r>
-                        <a:rPr lang="it-IT" sz="1400" dirty="0"/>
+                        <a:rPr lang="it-IT" sz="1400" dirty="0">
+                          <a:effectLst/>
+                        </a:rPr>
                         <a:t>MSE</a:t>
                       </a:r>
                     </a:p>
@@ -9860,7 +9940,7 @@
                     <a:bodyPr/>
                     <a:lstStyle/>
                     <a:p>
-                      <a:pPr marL="0" marR="0" lvl="0" indent="0" algn="l" defTabSz="914400" rtl="0" eaLnBrk="1" fontAlgn="auto" latinLnBrk="0" hangingPunct="1">
+                      <a:pPr marL="0" marR="0" lvl="0" indent="0" algn="ctr" defTabSz="914400" rtl="0" eaLnBrk="1" fontAlgn="auto" latinLnBrk="0" hangingPunct="1">
                         <a:lnSpc>
                           <a:spcPct val="100000"/>
                         </a:lnSpc>
@@ -9878,7 +9958,9 @@
                         <a:defRPr/>
                       </a:pPr>
                       <a:r>
-                        <a:rPr lang="it-IT" sz="1400" dirty="0"/>
+                        <a:rPr lang="it-IT" sz="1400" dirty="0">
+                          <a:effectLst/>
+                        </a:rPr>
                         <a:t>3.19*</a:t>
                       </a:r>
                       <a:r>
@@ -9918,8 +10000,11 @@
                     <a:bodyPr/>
                     <a:lstStyle/>
                     <a:p>
+                      <a:pPr algn="ctr"/>
                       <a:r>
-                        <a:rPr lang="it-IT" sz="1400" dirty="0"/>
+                        <a:rPr lang="it-IT" sz="1400" dirty="0">
+                          <a:effectLst/>
+                        </a:rPr>
                         <a:t>RMSD</a:t>
                       </a:r>
                     </a:p>
@@ -9931,7 +10016,7 @@
                     <a:bodyPr/>
                     <a:lstStyle/>
                     <a:p>
-                      <a:pPr marL="0" marR="0" lvl="0" indent="0" algn="l" defTabSz="914400" rtl="0" eaLnBrk="1" fontAlgn="auto" latinLnBrk="0" hangingPunct="1">
+                      <a:pPr marL="0" marR="0" lvl="0" indent="0" algn="ctr" defTabSz="914400" rtl="0" eaLnBrk="1" fontAlgn="auto" latinLnBrk="0" hangingPunct="1">
                         <a:lnSpc>
                           <a:spcPct val="100000"/>
                         </a:lnSpc>
@@ -9949,7 +10034,9 @@
                         <a:defRPr/>
                       </a:pPr>
                       <a:r>
-                        <a:rPr lang="it-IT" sz="1400" dirty="0"/>
+                        <a:rPr lang="it-IT" sz="1400" dirty="0">
+                          <a:effectLst/>
+                        </a:rPr>
                         <a:t>1.79*</a:t>
                       </a:r>
                       <a:r>
@@ -9989,8 +10076,11 @@
                     <a:bodyPr/>
                     <a:lstStyle/>
                     <a:p>
+                      <a:pPr algn="ctr"/>
                       <a:r>
-                        <a:rPr lang="it-IT" sz="1400" dirty="0"/>
+                        <a:rPr lang="it-IT" sz="1400" dirty="0">
+                          <a:effectLst/>
+                        </a:rPr>
                         <a:t>NRMSD (media)</a:t>
                       </a:r>
                     </a:p>
@@ -10002,8 +10092,11 @@
                     <a:bodyPr/>
                     <a:lstStyle/>
                     <a:p>
+                      <a:pPr algn="ctr"/>
                       <a:r>
-                        <a:rPr lang="it-IT" sz="1400" dirty="0"/>
+                        <a:rPr lang="it-IT" sz="1400" dirty="0">
+                          <a:effectLst/>
+                        </a:rPr>
                         <a:t>6.23%</a:t>
                       </a:r>
                     </a:p>
@@ -10022,8 +10115,11 @@
                     <a:bodyPr/>
                     <a:lstStyle/>
                     <a:p>
+                      <a:pPr algn="ctr"/>
                       <a:r>
-                        <a:rPr lang="it-IT" sz="1400" dirty="0"/>
+                        <a:rPr lang="it-IT" sz="1400" dirty="0">
+                          <a:effectLst/>
+                        </a:rPr>
                         <a:t>NRMSD (range)</a:t>
                       </a:r>
                     </a:p>
@@ -10035,8 +10131,11 @@
                     <a:bodyPr/>
                     <a:lstStyle/>
                     <a:p>
+                      <a:pPr algn="ctr"/>
                       <a:r>
-                        <a:rPr lang="it-IT" sz="1400" dirty="0"/>
+                        <a:rPr lang="it-IT" sz="1400" dirty="0">
+                          <a:effectLst/>
+                        </a:rPr>
                         <a:t>3.64%</a:t>
                       </a:r>
                     </a:p>
@@ -10055,8 +10154,11 @@
                     <a:bodyPr/>
                     <a:lstStyle/>
                     <a:p>
+                      <a:pPr algn="ctr"/>
                       <a:r>
-                        <a:rPr lang="it-IT" sz="1400" dirty="0"/>
+                        <a:rPr lang="it-IT" sz="1400" dirty="0">
+                          <a:effectLst/>
+                        </a:rPr>
                         <a:t>MAE</a:t>
                       </a:r>
                     </a:p>
@@ -10068,7 +10170,7 @@
                     <a:bodyPr/>
                     <a:lstStyle/>
                     <a:p>
-                      <a:pPr marL="0" marR="0" lvl="0" indent="0" algn="l" defTabSz="914400" rtl="0" eaLnBrk="1" fontAlgn="auto" latinLnBrk="0" hangingPunct="1">
+                      <a:pPr marL="0" marR="0" lvl="0" indent="0" algn="ctr" defTabSz="914400" rtl="0" eaLnBrk="1" fontAlgn="auto" latinLnBrk="0" hangingPunct="1">
                         <a:lnSpc>
                           <a:spcPct val="100000"/>
                         </a:lnSpc>
@@ -10086,7 +10188,9 @@
                         <a:defRPr/>
                       </a:pPr>
                       <a:r>
-                        <a:rPr lang="it-IT" sz="1400" dirty="0"/>
+                        <a:rPr lang="it-IT" sz="1400" dirty="0">
+                          <a:effectLst/>
+                        </a:rPr>
                         <a:t>1.29*</a:t>
                       </a:r>
                       <a:r>
@@ -10170,6 +10274,42 @@
           </a:p>
         </p:txBody>
       </p:sp>
+      <p:pic>
+        <p:nvPicPr>
+          <p:cNvPr id="6" name="Immagine 5">
+            <a:extLst>
+              <a:ext uri="{FF2B5EF4-FFF2-40B4-BE49-F238E27FC236}">
+                <a16:creationId xmlns:a16="http://schemas.microsoft.com/office/drawing/2014/main" id="{FC493D43-9B70-45A5-9DA6-14CEB70BACB3}"/>
+              </a:ext>
+            </a:extLst>
+          </p:cNvPr>
+          <p:cNvPicPr>
+            <a:picLocks noChangeAspect="1"/>
+          </p:cNvPicPr>
+          <p:nvPr/>
+        </p:nvPicPr>
+        <p:blipFill>
+          <a:blip r:embed="rId3">
+            <a:extLst>
+              <a:ext uri="{28A0092B-C50C-407E-A947-70E740481C1C}">
+                <a14:useLocalDpi xmlns:a14="http://schemas.microsoft.com/office/drawing/2010/main" val="0"/>
+              </a:ext>
+            </a:extLst>
+          </a:blip>
+          <a:stretch>
+            <a:fillRect/>
+          </a:stretch>
+        </p:blipFill>
+        <p:spPr>
+          <a:xfrm>
+            <a:off x="9603106" y="1389927"/>
+            <a:ext cx="45719" cy="2968574"/>
+          </a:xfrm>
+          <a:prstGeom prst="rect">
+            <a:avLst/>
+          </a:prstGeom>
+        </p:spPr>
+      </p:pic>
     </p:spTree>
     <p:extLst>
       <p:ext uri="{BB962C8B-B14F-4D97-AF65-F5344CB8AC3E}">
@@ -10459,6 +10599,78 @@
           </a:p>
         </p:txBody>
       </p:sp>
+      <p:pic>
+        <p:nvPicPr>
+          <p:cNvPr id="3" name="Immagine 2">
+            <a:extLst>
+              <a:ext uri="{FF2B5EF4-FFF2-40B4-BE49-F238E27FC236}">
+                <a16:creationId xmlns:a16="http://schemas.microsoft.com/office/drawing/2014/main" id="{524E478F-F61A-4F12-AE19-B6F49F515A9D}"/>
+              </a:ext>
+            </a:extLst>
+          </p:cNvPr>
+          <p:cNvPicPr>
+            <a:picLocks noChangeAspect="1"/>
+          </p:cNvPicPr>
+          <p:nvPr/>
+        </p:nvPicPr>
+        <p:blipFill>
+          <a:blip r:embed="rId4">
+            <a:extLst>
+              <a:ext uri="{28A0092B-C50C-407E-A947-70E740481C1C}">
+                <a14:useLocalDpi xmlns:a14="http://schemas.microsoft.com/office/drawing/2010/main" val="0"/>
+              </a:ext>
+            </a:extLst>
+          </a:blip>
+          <a:stretch>
+            <a:fillRect/>
+          </a:stretch>
+        </p:blipFill>
+        <p:spPr>
+          <a:xfrm>
+            <a:off x="6845433" y="2200082"/>
+            <a:ext cx="4981443" cy="3493316"/>
+          </a:xfrm>
+          <a:prstGeom prst="rect">
+            <a:avLst/>
+          </a:prstGeom>
+        </p:spPr>
+      </p:pic>
+      <p:pic>
+        <p:nvPicPr>
+          <p:cNvPr id="6" name="Immagine 5" descr="Immagine che contiene orologio, oggetto&#10;&#10;Descrizione generata automaticamente">
+            <a:extLst>
+              <a:ext uri="{FF2B5EF4-FFF2-40B4-BE49-F238E27FC236}">
+                <a16:creationId xmlns:a16="http://schemas.microsoft.com/office/drawing/2014/main" id="{C8C7B93E-6D06-496F-A284-0CC35524764F}"/>
+              </a:ext>
+            </a:extLst>
+          </p:cNvPr>
+          <p:cNvPicPr>
+            <a:picLocks noChangeAspect="1"/>
+          </p:cNvPicPr>
+          <p:nvPr/>
+        </p:nvPicPr>
+        <p:blipFill>
+          <a:blip r:embed="rId5">
+            <a:extLst>
+              <a:ext uri="{28A0092B-C50C-407E-A947-70E740481C1C}">
+                <a14:useLocalDpi xmlns:a14="http://schemas.microsoft.com/office/drawing/2010/main" val="0"/>
+              </a:ext>
+            </a:extLst>
+          </a:blip>
+          <a:stretch>
+            <a:fillRect/>
+          </a:stretch>
+        </p:blipFill>
+        <p:spPr>
+          <a:xfrm>
+            <a:off x="147018" y="2434387"/>
+            <a:ext cx="6698415" cy="1989226"/>
+          </a:xfrm>
+          <a:prstGeom prst="rect">
+            <a:avLst/>
+          </a:prstGeom>
+        </p:spPr>
+      </p:pic>
     </p:spTree>
     <p:extLst>
       <p:ext uri="{BB962C8B-B14F-4D97-AF65-F5344CB8AC3E}">
@@ -10520,7 +10732,7 @@
         <p:spPr>
           <a:xfrm>
             <a:off x="2543626" y="1762539"/>
-            <a:ext cx="7027834" cy="5270876"/>
+            <a:ext cx="6793947" cy="5095461"/>
           </a:xfrm>
         </p:spPr>
       </p:pic>
@@ -10725,7 +10937,7 @@
           <p:nvPr>
             <p:extLst>
               <p:ext uri="{D42A27DB-BD31-4B8C-83A1-F6EECF244321}">
-                <p14:modId xmlns:p14="http://schemas.microsoft.com/office/powerpoint/2010/main" val="2703005917"/>
+                <p14:modId xmlns:p14="http://schemas.microsoft.com/office/powerpoint/2010/main" val="71077309"/>
               </p:ext>
             </p:extLst>
           </p:nvPr>
@@ -10797,6 +11009,7 @@
                     <a:bodyPr/>
                     <a:lstStyle/>
                     <a:p>
+                      <a:pPr algn="ctr"/>
                       <a:r>
                         <a:rPr lang="it-IT" sz="1800" dirty="0"/>
                         <a:t>POLINOMIALE</a:t>
@@ -10810,7 +11023,7 @@
                     <a:bodyPr/>
                     <a:lstStyle/>
                     <a:p>
-                      <a:pPr marL="0" marR="0" lvl="0" indent="0" algn="l" defTabSz="914400" rtl="0" eaLnBrk="1" fontAlgn="auto" latinLnBrk="0" hangingPunct="1">
+                      <a:pPr marL="0" marR="0" lvl="0" indent="0" algn="ctr" defTabSz="914400" rtl="0" eaLnBrk="1" fontAlgn="auto" latinLnBrk="0" hangingPunct="1">
                         <a:lnSpc>
                           <a:spcPct val="100000"/>
                         </a:lnSpc>
@@ -10864,6 +11077,7 @@
                     <a:bodyPr/>
                     <a:lstStyle/>
                     <a:p>
+                      <a:pPr algn="ctr"/>
                       <a:r>
                         <a:rPr lang="it-IT" sz="1800" dirty="0"/>
                         <a:t>FOURIER</a:t>
@@ -10877,7 +11091,7 @@
                     <a:bodyPr/>
                     <a:lstStyle/>
                     <a:p>
-                      <a:pPr marL="0" marR="0" lvl="0" indent="0" algn="l" defTabSz="914400" rtl="0" eaLnBrk="1" fontAlgn="auto" latinLnBrk="0" hangingPunct="1">
+                      <a:pPr marL="0" marR="0" lvl="0" indent="0" algn="ctr" defTabSz="914400" rtl="0" eaLnBrk="1" fontAlgn="auto" latinLnBrk="0" hangingPunct="1">
                         <a:lnSpc>
                           <a:spcPct val="100000"/>
                         </a:lnSpc>
@@ -10935,6 +11149,7 @@
                     <a:bodyPr/>
                     <a:lstStyle/>
                     <a:p>
+                      <a:pPr algn="ctr"/>
                       <a:r>
                         <a:rPr lang="it-IT" sz="1800" dirty="0"/>
                         <a:t>SOMMA DI MODELLI</a:t>
@@ -10948,7 +11163,7 @@
                     <a:bodyPr/>
                     <a:lstStyle/>
                     <a:p>
-                      <a:pPr marL="0" marR="0" lvl="0" indent="0" algn="l" defTabSz="914400" rtl="0" eaLnBrk="1" fontAlgn="auto" latinLnBrk="0" hangingPunct="1">
+                      <a:pPr marL="0" marR="0" lvl="0" indent="0" algn="ctr" defTabSz="914400" rtl="0" eaLnBrk="1" fontAlgn="auto" latinLnBrk="0" hangingPunct="1">
                         <a:lnSpc>
                           <a:spcPct val="100000"/>
                         </a:lnSpc>
@@ -11006,6 +11221,7 @@
                     <a:bodyPr/>
                     <a:lstStyle/>
                     <a:p>
+                      <a:pPr algn="ctr"/>
                       <a:r>
                         <a:rPr lang="it-IT" sz="1800" dirty="0"/>
                         <a:t>SOMMA DI MODELLI CON STAGIONALITÁ</a:t>
@@ -11019,7 +11235,7 @@
                     <a:bodyPr/>
                     <a:lstStyle/>
                     <a:p>
-                      <a:pPr marL="0" marR="0" lvl="0" indent="0" algn="l" defTabSz="914400" rtl="0" eaLnBrk="1" fontAlgn="auto" latinLnBrk="0" hangingPunct="1">
+                      <a:pPr marL="0" marR="0" lvl="0" indent="0" algn="ctr" defTabSz="914400" rtl="0" eaLnBrk="1" fontAlgn="auto" latinLnBrk="0" hangingPunct="1">
                         <a:lnSpc>
                           <a:spcPct val="100000"/>
                         </a:lnSpc>
@@ -11073,6 +11289,7 @@
                     <a:bodyPr/>
                     <a:lstStyle/>
                     <a:p>
+                      <a:pPr algn="ctr"/>
                       <a:r>
                         <a:rPr lang="it-IT" sz="1800" b="1" dirty="0">
                           <a:solidFill>
@@ -11090,7 +11307,7 @@
                     <a:bodyPr/>
                     <a:lstStyle/>
                     <a:p>
-                      <a:pPr marL="0" marR="0" lvl="0" indent="0" algn="l" defTabSz="914400" rtl="0" eaLnBrk="1" fontAlgn="auto" latinLnBrk="0" hangingPunct="1">
+                      <a:pPr marL="0" marR="0" lvl="0" indent="0" algn="ctr" defTabSz="914400" rtl="0" eaLnBrk="1" fontAlgn="auto" latinLnBrk="0" hangingPunct="1">
                         <a:lnSpc>
                           <a:spcPct val="100000"/>
                         </a:lnSpc>
@@ -11645,7 +11862,7 @@
           <p:cNvPr id="2" name="Titolo 1">
             <a:extLst>
               <a:ext uri="{FF2B5EF4-FFF2-40B4-BE49-F238E27FC236}">
-                <a16:creationId xmlns:a16="http://schemas.microsoft.com/office/drawing/2014/main" id="{49246EBD-3E81-4C1D-BF7C-B42FA0300C8E}"/>
+                <a16:creationId xmlns:a16="http://schemas.microsoft.com/office/drawing/2014/main" id="{BA0681D7-7D27-45DC-9762-FFE0BB2BF2ED}"/>
               </a:ext>
             </a:extLst>
           </p:cNvPr>
@@ -11656,13 +11873,24 @@
             <p:ph type="title"/>
           </p:nvPr>
         </p:nvSpPr>
-        <p:spPr/>
-        <p:txBody>
-          <a:bodyPr/>
+        <p:spPr>
+          <a:xfrm>
+            <a:off x="5362552" y="1327924"/>
+            <a:ext cx="6696098" cy="819355"/>
+          </a:xfrm>
+        </p:spPr>
+        <p:txBody>
+          <a:bodyPr>
+            <a:noAutofit/>
+          </a:bodyPr>
           <a:lstStyle/>
           <a:p>
-            <a:r>
-              <a:rPr lang="it-IT" dirty="0">
+            <a:pPr algn="ctr"/>
+            <a:r>
+              <a:rPr lang="it-IT" sz="4400" dirty="0">
+                <a:solidFill>
+                  <a:srgbClr val="FF0000"/>
+                </a:solidFill>
                 <a:effectLst>
                   <a:outerShdw blurRad="38100" dist="38100" dir="2700000" algn="tl">
                     <a:srgbClr val="000000">
@@ -11671,40 +11899,17 @@
                   </a:outerShdw>
                 </a:effectLst>
               </a:rPr>
-              <a:t>Primo approccio: </a:t>
-            </a:r>
-            <a:br>
-              <a:rPr lang="it-IT" dirty="0">
-                <a:effectLst>
-                  <a:outerShdw blurRad="38100" dist="38100" dir="2700000" algn="tl">
-                    <a:srgbClr val="000000">
-                      <a:alpha val="43137"/>
-                    </a:srgbClr>
-                  </a:outerShdw>
-                </a:effectLst>
-              </a:rPr>
-            </a:br>
-            <a:r>
-              <a:rPr lang="it-IT" dirty="0">
-                <a:effectLst>
-                  <a:outerShdw blurRad="38100" dist="38100" dir="2700000" algn="tl">
-                    <a:srgbClr val="000000">
-                      <a:alpha val="43137"/>
-                    </a:srgbClr>
-                  </a:outerShdw>
-                </a:effectLst>
-              </a:rPr>
-              <a:t>modelli polinomiali </a:t>
-            </a:r>
-          </a:p>
-        </p:txBody>
-      </p:sp>
-      <p:sp>
-        <p:nvSpPr>
-          <p:cNvPr id="3" name="Segnaposto testo 2">
+              <a:t>INDIVIDUAZIONE DEL TREND</a:t>
+            </a:r>
+          </a:p>
+        </p:txBody>
+      </p:sp>
+      <p:sp>
+        <p:nvSpPr>
+          <p:cNvPr id="4" name="Segnaposto testo 3">
             <a:extLst>
               <a:ext uri="{FF2B5EF4-FFF2-40B4-BE49-F238E27FC236}">
-                <a16:creationId xmlns:a16="http://schemas.microsoft.com/office/drawing/2014/main" id="{77830DD8-81AD-42B2-B97B-978540908671}"/>
+                <a16:creationId xmlns:a16="http://schemas.microsoft.com/office/drawing/2014/main" id="{B1AAB8A4-3A9C-44D8-BC50-D839401F5BEA}"/>
               </a:ext>
             </a:extLst>
           </p:cNvPr>
@@ -11717,8 +11922,8 @@
         </p:nvSpPr>
         <p:spPr>
           <a:xfrm>
-            <a:off x="614892" y="2668058"/>
-            <a:ext cx="10130516" cy="999067"/>
+            <a:off x="8615351" y="3676650"/>
+            <a:ext cx="2858342" cy="1800225"/>
           </a:xfrm>
         </p:spPr>
         <p:txBody>
@@ -11728,24 +11933,95 @@
           <a:lstStyle/>
           <a:p>
             <a:r>
-              <a:rPr lang="it-IT" sz="2400" dirty="0"/>
-              <a:t>In prima analisi </a:t>
-            </a:r>
-            <a:r>
-              <a:rPr lang="it-IT" sz="2400" dirty="0" err="1"/>
-              <a:t>abbiamoo</a:t>
-            </a:r>
-            <a:r>
-              <a:rPr lang="it-IT" sz="2400" dirty="0"/>
-              <a:t> con modelli polinomiali di vario ordine. </a:t>
-            </a:r>
-          </a:p>
-        </p:txBody>
-      </p:sp>
+              <a:rPr lang="it-IT" sz="1800" dirty="0"/>
+              <a:t>Disponendo di dati relativi ad un periodo di soli due anni, ci limitiamo a stimare il trend con un </a:t>
+            </a:r>
+            <a:r>
+              <a:rPr lang="it-IT" sz="1800" i="1" dirty="0"/>
+              <a:t>modello lineare</a:t>
+            </a:r>
+            <a:r>
+              <a:rPr lang="it-IT" sz="1800" dirty="0"/>
+              <a:t> di primo ordine. </a:t>
+            </a:r>
+          </a:p>
+        </p:txBody>
+      </p:sp>
+      <p:pic>
+        <p:nvPicPr>
+          <p:cNvPr id="10" name="Immagine 9" descr="Immagine che contiene cielo, barca&#10;&#10;Descrizione generata automaticamente">
+            <a:extLst>
+              <a:ext uri="{FF2B5EF4-FFF2-40B4-BE49-F238E27FC236}">
+                <a16:creationId xmlns:a16="http://schemas.microsoft.com/office/drawing/2014/main" id="{1D9774D9-FEB6-4DE7-B202-01F1A8456177}"/>
+              </a:ext>
+            </a:extLst>
+          </p:cNvPr>
+          <p:cNvPicPr>
+            <a:picLocks noChangeAspect="1"/>
+          </p:cNvPicPr>
+          <p:nvPr/>
+        </p:nvPicPr>
+        <p:blipFill rotWithShape="1">
+          <a:blip r:embed="rId2">
+            <a:extLst>
+              <a:ext uri="{28A0092B-C50C-407E-A947-70E740481C1C}">
+                <a14:useLocalDpi xmlns:a14="http://schemas.microsoft.com/office/drawing/2010/main" val="0"/>
+              </a:ext>
+            </a:extLst>
+          </a:blip>
+          <a:srcRect l="8486" t="2644" r="8432" b="5181"/>
+          <a:stretch/>
+        </p:blipFill>
+        <p:spPr>
+          <a:xfrm>
+            <a:off x="190919" y="2868841"/>
+            <a:ext cx="7686255" cy="3989159"/>
+          </a:xfrm>
+          <a:prstGeom prst="rect">
+            <a:avLst/>
+          </a:prstGeom>
+        </p:spPr>
+      </p:pic>
+      <p:pic>
+        <p:nvPicPr>
+          <p:cNvPr id="12" name="Immagine 11">
+            <a:extLst>
+              <a:ext uri="{FF2B5EF4-FFF2-40B4-BE49-F238E27FC236}">
+                <a16:creationId xmlns:a16="http://schemas.microsoft.com/office/drawing/2014/main" id="{7B45FFB2-E6E4-4ECD-B7D2-F3C2EC4C3FA3}"/>
+              </a:ext>
+            </a:extLst>
+          </p:cNvPr>
+          <p:cNvPicPr>
+            <a:picLocks noChangeAspect="1"/>
+          </p:cNvPicPr>
+          <p:nvPr/>
+        </p:nvPicPr>
+        <p:blipFill>
+          <a:blip r:embed="rId3">
+            <a:extLst>
+              <a:ext uri="{28A0092B-C50C-407E-A947-70E740481C1C}">
+                <a14:useLocalDpi xmlns:a14="http://schemas.microsoft.com/office/drawing/2010/main" val="0"/>
+              </a:ext>
+            </a:extLst>
+          </a:blip>
+          <a:stretch>
+            <a:fillRect/>
+          </a:stretch>
+        </p:blipFill>
+        <p:spPr>
+          <a:xfrm>
+            <a:off x="418677" y="1425718"/>
+            <a:ext cx="5124873" cy="1493074"/>
+          </a:xfrm>
+          <a:prstGeom prst="rect">
+            <a:avLst/>
+          </a:prstGeom>
+        </p:spPr>
+      </p:pic>
     </p:spTree>
     <p:extLst>
       <p:ext uri="{BB962C8B-B14F-4D97-AF65-F5344CB8AC3E}">
-        <p14:creationId xmlns:p14="http://schemas.microsoft.com/office/powerpoint/2010/main" val="1011076102"/>
+        <p14:creationId xmlns:p14="http://schemas.microsoft.com/office/powerpoint/2010/main" val="2380867300"/>
       </p:ext>
     </p:extLst>
   </p:cSld>
@@ -11758,14 +12034,6 @@
 <file path=ppt/slides/slide6.xml><?xml version="1.0" encoding="utf-8"?>
 <p:sld xmlns:a="http://schemas.openxmlformats.org/drawingml/2006/main" xmlns:r="http://schemas.openxmlformats.org/officeDocument/2006/relationships" xmlns:p="http://schemas.openxmlformats.org/presentationml/2006/main">
   <p:cSld>
-    <p:bg>
-      <p:bgPr>
-        <a:solidFill>
-          <a:schemeClr val="bg1"/>
-        </a:solidFill>
-        <a:effectLst/>
-      </p:bgPr>
-    </p:bg>
     <p:spTree>
       <p:nvGrpSpPr>
         <p:cNvPr id="1" name=""/>
@@ -11782,35 +12050,34 @@
       </p:grpSpPr>
       <p:sp>
         <p:nvSpPr>
-          <p:cNvPr id="2" name="Titolo 1">
+          <p:cNvPr id="10" name="CasellaDiTesto 9">
             <a:extLst>
               <a:ext uri="{FF2B5EF4-FFF2-40B4-BE49-F238E27FC236}">
-                <a16:creationId xmlns:a16="http://schemas.microsoft.com/office/drawing/2014/main" id="{EDE44D1D-4765-4600-A694-FE72D0E4C221}"/>
+                <a16:creationId xmlns:a16="http://schemas.microsoft.com/office/drawing/2014/main" id="{A0F8E7F3-F9E4-4092-96A1-56EE6BEDAFAF}"/>
               </a:ext>
             </a:extLst>
           </p:cNvPr>
-          <p:cNvSpPr>
-            <a:spLocks noGrp="1"/>
-          </p:cNvSpPr>
-          <p:nvPr>
-            <p:ph type="title"/>
-          </p:nvPr>
-        </p:nvSpPr>
-        <p:spPr>
-          <a:xfrm>
-            <a:off x="3537934" y="600075"/>
-            <a:ext cx="5537690" cy="1691235"/>
-          </a:xfrm>
-        </p:spPr>
-        <p:txBody>
-          <a:bodyPr vert="horz" lIns="91440" tIns="45720" rIns="91440" bIns="45720" rtlCol="0" anchor="b">
-            <a:normAutofit/>
+          <p:cNvSpPr txBox="1"/>
+          <p:nvPr/>
+        </p:nvSpPr>
+        <p:spPr>
+          <a:xfrm>
+            <a:off x="5695276" y="518936"/>
+            <a:ext cx="6096000" cy="830997"/>
+          </a:xfrm>
+          <a:prstGeom prst="rect">
+            <a:avLst/>
+          </a:prstGeom>
+          <a:noFill/>
+        </p:spPr>
+        <p:txBody>
+          <a:bodyPr wrap="square" rtlCol="0">
+            <a:spAutoFit/>
           </a:bodyPr>
           <a:lstStyle/>
           <a:p>
-            <a:pPr algn="ctr"/>
-            <a:r>
-              <a:rPr lang="en-US" sz="5400" dirty="0">
+            <a:r>
+              <a:rPr lang="it-IT" sz="4800" dirty="0">
                 <a:solidFill>
                   <a:srgbClr val="FF0000"/>
                 </a:solidFill>
@@ -11822,17 +12089,17 @@
                   </a:outerShdw>
                 </a:effectLst>
               </a:rPr>
-              <a:t>Modelli con overfitting </a:t>
-            </a:r>
-          </a:p>
-        </p:txBody>
-      </p:sp>
-      <p:sp>
-        <p:nvSpPr>
-          <p:cNvPr id="3" name="CasellaDiTesto 2">
+              <a:t>DETRENDIZZAZIONE</a:t>
+            </a:r>
+          </a:p>
+        </p:txBody>
+      </p:sp>
+      <p:sp>
+        <p:nvSpPr>
+          <p:cNvPr id="11" name="CasellaDiTesto 10">
             <a:extLst>
               <a:ext uri="{FF2B5EF4-FFF2-40B4-BE49-F238E27FC236}">
-                <a16:creationId xmlns:a16="http://schemas.microsoft.com/office/drawing/2014/main" id="{30CCFDD7-4A43-4E06-B76C-8583185DC23C}"/>
+                <a16:creationId xmlns:a16="http://schemas.microsoft.com/office/drawing/2014/main" id="{EEB5E77D-8BEA-4227-B5FD-EA1DCD7555EA}"/>
               </a:ext>
             </a:extLst>
           </p:cNvPr>
@@ -11841,8 +12108,8 @@
         </p:nvSpPr>
         <p:spPr>
           <a:xfrm>
-            <a:off x="1266824" y="5847936"/>
-            <a:ext cx="9658350" cy="369332"/>
+            <a:off x="476250" y="1762125"/>
+            <a:ext cx="4457700" cy="1200329"/>
           </a:xfrm>
           <a:prstGeom prst="rect">
             <a:avLst/>
@@ -11857,17 +12124,71 @@
           <a:p>
             <a:r>
               <a:rPr lang="it-IT" dirty="0"/>
-              <a:t>I modelli di ordine superiore al quarto tendono a overfittare i dati di identificazione</a:t>
+              <a:t>L</a:t>
+            </a:r>
+            <a:r>
+              <a:rPr lang="it-IT" b="1" dirty="0"/>
+              <a:t>’identificazione</a:t>
+            </a:r>
+            <a:r>
+              <a:rPr lang="it-IT" dirty="0"/>
+              <a:t> viene effettuata su dati detrendizzati rispetto all’anno di identificazione.</a:t>
+            </a:r>
+          </a:p>
+          <a:p>
+            <a:endParaRPr lang="it-IT" dirty="0"/>
+          </a:p>
+        </p:txBody>
+      </p:sp>
+      <p:sp>
+        <p:nvSpPr>
+          <p:cNvPr id="13" name="CasellaDiTesto 12">
+            <a:extLst>
+              <a:ext uri="{FF2B5EF4-FFF2-40B4-BE49-F238E27FC236}">
+                <a16:creationId xmlns:a16="http://schemas.microsoft.com/office/drawing/2014/main" id="{A62445CD-0A29-41D2-925A-684E7519ACE4}"/>
+              </a:ext>
+            </a:extLst>
+          </p:cNvPr>
+          <p:cNvSpPr txBox="1"/>
+          <p:nvPr/>
+        </p:nvSpPr>
+        <p:spPr>
+          <a:xfrm>
+            <a:off x="476250" y="2695218"/>
+            <a:ext cx="4314825" cy="1200329"/>
+          </a:xfrm>
+          <a:prstGeom prst="rect">
+            <a:avLst/>
+          </a:prstGeom>
+          <a:noFill/>
+        </p:spPr>
+        <p:txBody>
+          <a:bodyPr wrap="square" rtlCol="0">
+            <a:spAutoFit/>
+          </a:bodyPr>
+          <a:lstStyle/>
+          <a:p>
+            <a:r>
+              <a:rPr lang="it-IT" dirty="0"/>
+              <a:t>In fase di </a:t>
+            </a:r>
+            <a:r>
+              <a:rPr lang="it-IT" b="1" dirty="0"/>
+              <a:t>validazione</a:t>
+            </a:r>
+            <a:r>
+              <a:rPr lang="it-IT" dirty="0"/>
+              <a:t> la stima viene confrontata con i dati di validazione detrendizzati rispetto al trend dell’anno di validazione. </a:t>
             </a:r>
           </a:p>
         </p:txBody>
       </p:sp>
       <p:pic>
         <p:nvPicPr>
-          <p:cNvPr id="6" name="Immagine 5" descr="Immagine che contiene mappa, testo&#10;&#10;Descrizione generata automaticamente">
+          <p:cNvPr id="4" name="Immagine 3" descr="Immagine che contiene testo, mappa&#10;&#10;Descrizione generata automaticamente">
             <a:extLst>
               <a:ext uri="{FF2B5EF4-FFF2-40B4-BE49-F238E27FC236}">
-                <a16:creationId xmlns:a16="http://schemas.microsoft.com/office/drawing/2014/main" id="{161766D7-8B8E-44FF-82B1-9140128AE476}"/>
+                <a16:creationId xmlns:a16="http://schemas.microsoft.com/office/drawing/2014/main" id="{3105023D-91EE-416F-8239-D28EF9EDC018}"/>
               </a:ext>
             </a:extLst>
           </p:cNvPr>
@@ -11876,7 +12197,7 @@
           </p:cNvPicPr>
           <p:nvPr/>
         </p:nvPicPr>
-        <p:blipFill rotWithShape="1">
+        <p:blipFill>
           <a:blip r:embed="rId2">
             <a:extLst>
               <a:ext uri="{28A0092B-C50C-407E-A947-70E740481C1C}">
@@ -11884,13 +12205,14 @@
               </a:ext>
             </a:extLst>
           </a:blip>
-          <a:srcRect l="7940" r="4362"/>
-          <a:stretch/>
+          <a:stretch>
+            <a:fillRect/>
+          </a:stretch>
         </p:blipFill>
         <p:spPr>
           <a:xfrm>
-            <a:off x="0" y="2448906"/>
-            <a:ext cx="5800725" cy="3138366"/>
+            <a:off x="5277388" y="1319997"/>
+            <a:ext cx="6513888" cy="5454027"/>
           </a:xfrm>
           <a:prstGeom prst="rect">
             <a:avLst/>
@@ -11899,10 +12221,10 @@
       </p:pic>
       <p:pic>
         <p:nvPicPr>
-          <p:cNvPr id="10" name="Immagine 9" descr="Immagine che contiene mappa, testo&#10;&#10;Descrizione generata automaticamente">
+          <p:cNvPr id="9" name="Immagine 8">
             <a:extLst>
               <a:ext uri="{FF2B5EF4-FFF2-40B4-BE49-F238E27FC236}">
-                <a16:creationId xmlns:a16="http://schemas.microsoft.com/office/drawing/2014/main" id="{F3F4C665-6571-43AB-93C1-DF7925195935}"/>
+                <a16:creationId xmlns:a16="http://schemas.microsoft.com/office/drawing/2014/main" id="{83939AE6-13C3-4358-88FB-9D41BBE3D3C4}"/>
               </a:ext>
             </a:extLst>
           </p:cNvPr>
@@ -11911,7 +12233,7 @@
           </p:cNvPicPr>
           <p:nvPr/>
         </p:nvPicPr>
-        <p:blipFill rotWithShape="1">
+        <p:blipFill>
           <a:blip r:embed="rId3">
             <a:extLst>
               <a:ext uri="{28A0092B-C50C-407E-A947-70E740481C1C}">
@@ -11919,167 +12241,24 @@
               </a:ext>
             </a:extLst>
           </a:blip>
-          <a:srcRect l="7803" r="5058"/>
-          <a:stretch/>
+          <a:stretch>
+            <a:fillRect/>
+          </a:stretch>
         </p:blipFill>
         <p:spPr>
           <a:xfrm>
-            <a:off x="6006175" y="2448906"/>
-            <a:ext cx="6138897" cy="3342692"/>
+            <a:off x="0" y="5200496"/>
+            <a:ext cx="5553895" cy="1105054"/>
           </a:xfrm>
           <a:prstGeom prst="rect">
             <a:avLst/>
           </a:prstGeom>
         </p:spPr>
       </p:pic>
-      <p:sp>
-        <p:nvSpPr>
-          <p:cNvPr id="13" name="Freccia a destra 12">
-            <a:extLst>
-              <a:ext uri="{FF2B5EF4-FFF2-40B4-BE49-F238E27FC236}">
-                <a16:creationId xmlns:a16="http://schemas.microsoft.com/office/drawing/2014/main" id="{176A2246-5227-44BF-BDBB-A0CC01796163}"/>
-              </a:ext>
-            </a:extLst>
-          </p:cNvPr>
-          <p:cNvSpPr/>
-          <p:nvPr/>
-        </p:nvSpPr>
-        <p:spPr>
-          <a:xfrm>
-            <a:off x="7178917" y="4841805"/>
-            <a:ext cx="753703" cy="295276"/>
-          </a:xfrm>
-          <a:prstGeom prst="rightArrow">
-            <a:avLst/>
-          </a:prstGeom>
-          <a:solidFill>
-            <a:srgbClr val="FF0000"/>
-          </a:solidFill>
-          <a:ln>
-            <a:solidFill>
-              <a:schemeClr val="tx1"/>
-            </a:solidFill>
-          </a:ln>
-        </p:spPr>
-        <p:style>
-          <a:lnRef idx="2">
-            <a:schemeClr val="accent1">
-              <a:shade val="50000"/>
-            </a:schemeClr>
-          </a:lnRef>
-          <a:fillRef idx="1">
-            <a:schemeClr val="accent1"/>
-          </a:fillRef>
-          <a:effectRef idx="0">
-            <a:schemeClr val="accent1"/>
-          </a:effectRef>
-          <a:fontRef idx="minor">
-            <a:schemeClr val="lt1"/>
-          </a:fontRef>
-        </p:style>
-        <p:txBody>
-          <a:bodyPr rot="0" spcFirstLastPara="0" vertOverflow="overflow" horzOverflow="overflow" vert="horz" wrap="square" lIns="91440" tIns="45720" rIns="91440" bIns="45720" numCol="1" spcCol="0" rtlCol="0" fromWordArt="0" anchor="ctr" anchorCtr="0" forceAA="0" compatLnSpc="1">
-            <a:prstTxWarp prst="textNoShape">
-              <a:avLst/>
-            </a:prstTxWarp>
-            <a:noAutofit/>
-          </a:bodyPr>
-          <a:lstStyle/>
-          <a:p>
-            <a:pPr algn="ctr"/>
-            <a:endParaRPr lang="it-IT" b="1">
-              <a:ln w="22225">
-                <a:solidFill>
-                  <a:schemeClr val="accent2"/>
-                </a:solidFill>
-                <a:prstDash val="solid"/>
-              </a:ln>
-              <a:solidFill>
-                <a:schemeClr val="accent2">
-                  <a:lumMod val="40000"/>
-                  <a:lumOff val="60000"/>
-                </a:schemeClr>
-              </a:solidFill>
-            </a:endParaRPr>
-          </a:p>
-        </p:txBody>
-      </p:sp>
-      <p:sp>
-        <p:nvSpPr>
-          <p:cNvPr id="8" name="Freccia a destra 7">
-            <a:extLst>
-              <a:ext uri="{FF2B5EF4-FFF2-40B4-BE49-F238E27FC236}">
-                <a16:creationId xmlns:a16="http://schemas.microsoft.com/office/drawing/2014/main" id="{4CA51C86-695F-44C0-B8BF-A0B92CB59D2D}"/>
-              </a:ext>
-            </a:extLst>
-          </p:cNvPr>
-          <p:cNvSpPr/>
-          <p:nvPr/>
-        </p:nvSpPr>
-        <p:spPr>
-          <a:xfrm>
-            <a:off x="1416871" y="4710280"/>
-            <a:ext cx="753703" cy="279163"/>
-          </a:xfrm>
-          <a:prstGeom prst="rightArrow">
-            <a:avLst/>
-          </a:prstGeom>
-          <a:solidFill>
-            <a:srgbClr val="FF0000"/>
-          </a:solidFill>
-          <a:ln>
-            <a:solidFill>
-              <a:schemeClr val="tx1"/>
-            </a:solidFill>
-          </a:ln>
-        </p:spPr>
-        <p:style>
-          <a:lnRef idx="2">
-            <a:schemeClr val="accent1">
-              <a:shade val="50000"/>
-            </a:schemeClr>
-          </a:lnRef>
-          <a:fillRef idx="1">
-            <a:schemeClr val="accent1"/>
-          </a:fillRef>
-          <a:effectRef idx="0">
-            <a:schemeClr val="accent1"/>
-          </a:effectRef>
-          <a:fontRef idx="minor">
-            <a:schemeClr val="lt1"/>
-          </a:fontRef>
-        </p:style>
-        <p:txBody>
-          <a:bodyPr rot="0" spcFirstLastPara="0" vertOverflow="overflow" horzOverflow="overflow" vert="horz" wrap="square" lIns="91440" tIns="45720" rIns="91440" bIns="45720" numCol="1" spcCol="0" rtlCol="0" fromWordArt="0" anchor="ctr" anchorCtr="0" forceAA="0" compatLnSpc="1">
-            <a:prstTxWarp prst="textNoShape">
-              <a:avLst/>
-            </a:prstTxWarp>
-            <a:noAutofit/>
-          </a:bodyPr>
-          <a:lstStyle/>
-          <a:p>
-            <a:pPr algn="ctr"/>
-            <a:endParaRPr lang="it-IT" b="1">
-              <a:ln w="22225">
-                <a:solidFill>
-                  <a:schemeClr val="accent2"/>
-                </a:solidFill>
-                <a:prstDash val="solid"/>
-              </a:ln>
-              <a:solidFill>
-                <a:schemeClr val="accent2">
-                  <a:lumMod val="40000"/>
-                  <a:lumOff val="60000"/>
-                </a:schemeClr>
-              </a:solidFill>
-            </a:endParaRPr>
-          </a:p>
-        </p:txBody>
-      </p:sp>
     </p:spTree>
     <p:extLst>
       <p:ext uri="{BB962C8B-B14F-4D97-AF65-F5344CB8AC3E}">
-        <p14:creationId xmlns:p14="http://schemas.microsoft.com/office/powerpoint/2010/main" val="1235166468"/>
+        <p14:creationId xmlns:p14="http://schemas.microsoft.com/office/powerpoint/2010/main" val="1962699818"/>
       </p:ext>
     </p:extLst>
   </p:cSld>
@@ -12111,7 +12290,7 @@
           <p:cNvPr id="2" name="Titolo 1">
             <a:extLst>
               <a:ext uri="{FF2B5EF4-FFF2-40B4-BE49-F238E27FC236}">
-                <a16:creationId xmlns:a16="http://schemas.microsoft.com/office/drawing/2014/main" id="{AE8F0231-F453-4F99-9E41-7A9ACE104BBA}"/>
+                <a16:creationId xmlns:a16="http://schemas.microsoft.com/office/drawing/2014/main" id="{49246EBD-3E81-4C1D-BF7C-B42FA0300C8E}"/>
               </a:ext>
             </a:extLst>
           </p:cNvPr>
@@ -12122,24 +12301,13 @@
             <p:ph type="title"/>
           </p:nvPr>
         </p:nvSpPr>
-        <p:spPr>
-          <a:xfrm>
-            <a:off x="864901" y="1122362"/>
-            <a:ext cx="9833548" cy="1325563"/>
-          </a:xfrm>
-        </p:spPr>
-        <p:txBody>
-          <a:bodyPr>
-            <a:normAutofit/>
-          </a:bodyPr>
+        <p:spPr/>
+        <p:txBody>
+          <a:bodyPr/>
           <a:lstStyle/>
           <a:p>
-            <a:pPr algn="ctr"/>
-            <a:r>
-              <a:rPr lang="it-IT" sz="5400" dirty="0">
-                <a:solidFill>
-                  <a:srgbClr val="FF0000"/>
-                </a:solidFill>
+            <a:r>
+              <a:rPr lang="it-IT" dirty="0">
                 <a:effectLst>
                   <a:outerShdw blurRad="38100" dist="38100" dir="2700000" algn="tl">
                     <a:srgbClr val="000000">
@@ -12148,86 +12316,73 @@
                   </a:outerShdw>
                 </a:effectLst>
               </a:rPr>
-              <a:t>Modello del 4° ordine</a:t>
-            </a:r>
-          </a:p>
-        </p:txBody>
-      </p:sp>
-      <p:pic>
-        <p:nvPicPr>
-          <p:cNvPr id="9" name="Immagine 8" descr="Immagine che contiene screenshot&#10;&#10;Descrizione generata automaticamente">
+              <a:t>Primo approccio: </a:t>
+            </a:r>
+            <a:br>
+              <a:rPr lang="it-IT" dirty="0">
+                <a:effectLst>
+                  <a:outerShdw blurRad="38100" dist="38100" dir="2700000" algn="tl">
+                    <a:srgbClr val="000000">
+                      <a:alpha val="43137"/>
+                    </a:srgbClr>
+                  </a:outerShdw>
+                </a:effectLst>
+              </a:rPr>
+            </a:br>
+            <a:r>
+              <a:rPr lang="it-IT" dirty="0">
+                <a:effectLst>
+                  <a:outerShdw blurRad="38100" dist="38100" dir="2700000" algn="tl">
+                    <a:srgbClr val="000000">
+                      <a:alpha val="43137"/>
+                    </a:srgbClr>
+                  </a:outerShdw>
+                </a:effectLst>
+              </a:rPr>
+              <a:t>modelli polinomiali </a:t>
+            </a:r>
+          </a:p>
+        </p:txBody>
+      </p:sp>
+      <p:sp>
+        <p:nvSpPr>
+          <p:cNvPr id="3" name="Segnaposto testo 2">
             <a:extLst>
               <a:ext uri="{FF2B5EF4-FFF2-40B4-BE49-F238E27FC236}">
-                <a16:creationId xmlns:a16="http://schemas.microsoft.com/office/drawing/2014/main" id="{A28A029B-1882-4BCB-B3F6-A9C4B7D5E6B5}"/>
+                <a16:creationId xmlns:a16="http://schemas.microsoft.com/office/drawing/2014/main" id="{77830DD8-81AD-42B2-B97B-978540908671}"/>
               </a:ext>
             </a:extLst>
           </p:cNvPr>
-          <p:cNvPicPr>
-            <a:picLocks noChangeAspect="1"/>
-          </p:cNvPicPr>
-          <p:nvPr/>
-        </p:nvPicPr>
-        <p:blipFill rotWithShape="1">
-          <a:blip r:embed="rId2">
-            <a:extLst>
-              <a:ext uri="{28A0092B-C50C-407E-A947-70E740481C1C}">
-                <a14:useLocalDpi xmlns:a14="http://schemas.microsoft.com/office/drawing/2010/main" val="0"/>
-              </a:ext>
-            </a:extLst>
-          </a:blip>
-          <a:srcRect b="32514"/>
-          <a:stretch/>
-        </p:blipFill>
-        <p:spPr>
-          <a:xfrm>
-            <a:off x="1468090" y="2672818"/>
-            <a:ext cx="8926171" cy="1594382"/>
-          </a:xfrm>
-          <a:prstGeom prst="rect">
-            <a:avLst/>
-          </a:prstGeom>
-        </p:spPr>
-      </p:pic>
-      <p:pic>
-        <p:nvPicPr>
-          <p:cNvPr id="4" name="Immagine 3">
-            <a:extLst>
-              <a:ext uri="{FF2B5EF4-FFF2-40B4-BE49-F238E27FC236}">
-                <a16:creationId xmlns:a16="http://schemas.microsoft.com/office/drawing/2014/main" id="{2F85F6C1-A7E7-431D-A815-EEDC5F89D59F}"/>
-              </a:ext>
-            </a:extLst>
-          </p:cNvPr>
-          <p:cNvPicPr>
-            <a:picLocks noChangeAspect="1"/>
-          </p:cNvPicPr>
-          <p:nvPr/>
-        </p:nvPicPr>
-        <p:blipFill>
-          <a:blip r:embed="rId3">
-            <a:extLst>
-              <a:ext uri="{28A0092B-C50C-407E-A947-70E740481C1C}">
-                <a14:useLocalDpi xmlns:a14="http://schemas.microsoft.com/office/drawing/2010/main" val="0"/>
-              </a:ext>
-            </a:extLst>
-          </a:blip>
-          <a:stretch>
-            <a:fillRect/>
-          </a:stretch>
-        </p:blipFill>
-        <p:spPr>
-          <a:xfrm>
-            <a:off x="1468090" y="4267200"/>
-            <a:ext cx="4945962" cy="386116"/>
-          </a:xfrm>
-          <a:prstGeom prst="rect">
-            <a:avLst/>
-          </a:prstGeom>
-        </p:spPr>
-      </p:pic>
+          <p:cNvSpPr>
+            <a:spLocks noGrp="1"/>
+          </p:cNvSpPr>
+          <p:nvPr>
+            <p:ph type="body" sz="half" idx="2"/>
+          </p:nvPr>
+        </p:nvSpPr>
+        <p:spPr>
+          <a:xfrm>
+            <a:off x="614891" y="2668058"/>
+            <a:ext cx="10606483" cy="999067"/>
+          </a:xfrm>
+        </p:spPr>
+        <p:txBody>
+          <a:bodyPr>
+            <a:normAutofit/>
+          </a:bodyPr>
+          <a:lstStyle/>
+          <a:p>
+            <a:r>
+              <a:rPr lang="it-IT" sz="2400" dirty="0"/>
+              <a:t>In prima analisi abbiamo utilizzato modelli polinomiali di vario ordine. </a:t>
+            </a:r>
+          </a:p>
+        </p:txBody>
+      </p:sp>
     </p:spTree>
     <p:extLst>
       <p:ext uri="{BB962C8B-B14F-4D97-AF65-F5344CB8AC3E}">
-        <p14:creationId xmlns:p14="http://schemas.microsoft.com/office/powerpoint/2010/main" val="2476505781"/>
+        <p14:creationId xmlns:p14="http://schemas.microsoft.com/office/powerpoint/2010/main" val="1011076102"/>
       </p:ext>
     </p:extLst>
   </p:cSld>
@@ -12240,6 +12395,14 @@
 <file path=ppt/slides/slide8.xml><?xml version="1.0" encoding="utf-8"?>
 <p:sld xmlns:a="http://schemas.openxmlformats.org/drawingml/2006/main" xmlns:r="http://schemas.openxmlformats.org/officeDocument/2006/relationships" xmlns:p="http://schemas.openxmlformats.org/presentationml/2006/main">
   <p:cSld>
+    <p:bg>
+      <p:bgPr>
+        <a:solidFill>
+          <a:schemeClr val="bg1"/>
+        </a:solidFill>
+        <a:effectLst/>
+      </p:bgPr>
+    </p:bg>
     <p:spTree>
       <p:nvGrpSpPr>
         <p:cNvPr id="1" name=""/>
@@ -12256,10 +12419,10 @@
       </p:grpSpPr>
       <p:sp>
         <p:nvSpPr>
-          <p:cNvPr id="3" name="Segnaposto testo 2">
+          <p:cNvPr id="2" name="Titolo 1">
             <a:extLst>
               <a:ext uri="{FF2B5EF4-FFF2-40B4-BE49-F238E27FC236}">
-                <a16:creationId xmlns:a16="http://schemas.microsoft.com/office/drawing/2014/main" id="{833C6556-C036-47BE-BE7F-679A48ADC3C0}"/>
+                <a16:creationId xmlns:a16="http://schemas.microsoft.com/office/drawing/2014/main" id="{EDE44D1D-4765-4600-A694-FE72D0E4C221}"/>
               </a:ext>
             </a:extLst>
           </p:cNvPr>
@@ -12267,116 +12430,24 @@
             <a:spLocks noGrp="1"/>
           </p:cNvSpPr>
           <p:nvPr>
-            <p:ph type="body" sz="half" idx="2"/>
-          </p:nvPr>
-        </p:nvSpPr>
-        <p:spPr/>
-        <p:txBody>
-          <a:bodyPr/>
-          <a:lstStyle/>
-          <a:p>
-            <a:endParaRPr lang="it-IT"/>
-          </a:p>
-        </p:txBody>
-      </p:sp>
-      <p:sp>
-        <p:nvSpPr>
-          <p:cNvPr id="5" name="Rettangolo 4">
-            <a:extLst>
-              <a:ext uri="{FF2B5EF4-FFF2-40B4-BE49-F238E27FC236}">
-                <a16:creationId xmlns:a16="http://schemas.microsoft.com/office/drawing/2014/main" id="{839FB6C4-A842-4938-A90E-48F540C57914}"/>
-              </a:ext>
-            </a:extLst>
-          </p:cNvPr>
-          <p:cNvSpPr/>
-          <p:nvPr/>
-        </p:nvSpPr>
-        <p:spPr>
-          <a:xfrm>
-            <a:off x="0" y="6521696"/>
-            <a:ext cx="11820525" cy="369332"/>
-          </a:xfrm>
-          <a:prstGeom prst="rect">
-            <a:avLst/>
-          </a:prstGeom>
-        </p:spPr>
-        <p:txBody>
-          <a:bodyPr wrap="square">
-            <a:spAutoFit/>
+            <p:ph type="title"/>
+          </p:nvPr>
+        </p:nvSpPr>
+        <p:spPr>
+          <a:xfrm>
+            <a:off x="3537934" y="600075"/>
+            <a:ext cx="5537690" cy="1691235"/>
+          </a:xfrm>
+        </p:spPr>
+        <p:txBody>
+          <a:bodyPr vert="horz" lIns="91440" tIns="45720" rIns="91440" bIns="45720" rtlCol="0" anchor="b">
+            <a:normAutofit/>
           </a:bodyPr>
           <a:lstStyle/>
           <a:p>
-            <a:r>
-              <a:rPr lang="it-IT" dirty="0"/>
-              <a:t>Tra i modelli polinomiali, il migliore risulta quindi essere quello di quarto ordine, dove non abbiamo overfit. </a:t>
-            </a:r>
-          </a:p>
-        </p:txBody>
-      </p:sp>
-      <p:pic>
-        <p:nvPicPr>
-          <p:cNvPr id="8" name="Immagine 7">
-            <a:extLst>
-              <a:ext uri="{FF2B5EF4-FFF2-40B4-BE49-F238E27FC236}">
-                <a16:creationId xmlns:a16="http://schemas.microsoft.com/office/drawing/2014/main" id="{57626B4F-4F50-4D77-99E4-B8E9820EEE09}"/>
-              </a:ext>
-            </a:extLst>
-          </p:cNvPr>
-          <p:cNvPicPr>
-            <a:picLocks noChangeAspect="1"/>
-          </p:cNvPicPr>
-          <p:nvPr/>
-        </p:nvPicPr>
-        <p:blipFill rotWithShape="1">
-          <a:blip r:embed="rId2">
-            <a:extLst>
-              <a:ext uri="{28A0092B-C50C-407E-A947-70E740481C1C}">
-                <a14:useLocalDpi xmlns:a14="http://schemas.microsoft.com/office/drawing/2010/main" val="0"/>
-              </a:ext>
-            </a:extLst>
-          </a:blip>
-          <a:srcRect t="7232"/>
-          <a:stretch/>
-        </p:blipFill>
-        <p:spPr>
-          <a:xfrm>
-            <a:off x="0" y="1352550"/>
-            <a:ext cx="12192000" cy="5680825"/>
-          </a:xfrm>
-          <a:prstGeom prst="rect">
-            <a:avLst/>
-          </a:prstGeom>
-        </p:spPr>
-      </p:pic>
-      <p:sp>
-        <p:nvSpPr>
-          <p:cNvPr id="9" name="Rettangolo 8">
-            <a:extLst>
-              <a:ext uri="{FF2B5EF4-FFF2-40B4-BE49-F238E27FC236}">
-                <a16:creationId xmlns:a16="http://schemas.microsoft.com/office/drawing/2014/main" id="{27402D9F-6991-4691-885F-C0785E1029B6}"/>
-              </a:ext>
-            </a:extLst>
-          </p:cNvPr>
-          <p:cNvSpPr/>
-          <p:nvPr/>
-        </p:nvSpPr>
-        <p:spPr>
-          <a:xfrm>
-            <a:off x="1100081" y="232745"/>
-            <a:ext cx="9991838" cy="830997"/>
-          </a:xfrm>
-          <a:prstGeom prst="rect">
-            <a:avLst/>
-          </a:prstGeom>
-        </p:spPr>
-        <p:txBody>
-          <a:bodyPr wrap="none">
-            <a:spAutoFit/>
-          </a:bodyPr>
-          <a:lstStyle/>
-          <a:p>
-            <a:r>
-              <a:rPr lang="en-US" sz="4800" dirty="0">
+            <a:pPr algn="ctr"/>
+            <a:r>
+              <a:rPr lang="en-US" sz="5400" dirty="0">
                 <a:solidFill>
                   <a:srgbClr val="FF0000"/>
                 </a:solidFill>
@@ -12388,16 +12459,264 @@
                   </a:outerShdw>
                 </a:effectLst>
               </a:rPr>
-              <a:t>PLOT MODELLO QUARTO ORDINE</a:t>
-            </a:r>
-            <a:endParaRPr lang="it-IT" sz="4800" dirty="0"/>
+              <a:t>Modelli con overfitting </a:t>
+            </a:r>
+          </a:p>
+        </p:txBody>
+      </p:sp>
+      <p:sp>
+        <p:nvSpPr>
+          <p:cNvPr id="3" name="CasellaDiTesto 2">
+            <a:extLst>
+              <a:ext uri="{FF2B5EF4-FFF2-40B4-BE49-F238E27FC236}">
+                <a16:creationId xmlns:a16="http://schemas.microsoft.com/office/drawing/2014/main" id="{30CCFDD7-4A43-4E06-B76C-8583185DC23C}"/>
+              </a:ext>
+            </a:extLst>
+          </p:cNvPr>
+          <p:cNvSpPr txBox="1"/>
+          <p:nvPr/>
+        </p:nvSpPr>
+        <p:spPr>
+          <a:xfrm>
+            <a:off x="1266824" y="5847936"/>
+            <a:ext cx="9658350" cy="369332"/>
+          </a:xfrm>
+          <a:prstGeom prst="rect">
+            <a:avLst/>
+          </a:prstGeom>
+          <a:noFill/>
+        </p:spPr>
+        <p:txBody>
+          <a:bodyPr wrap="square" rtlCol="0">
+            <a:spAutoFit/>
+          </a:bodyPr>
+          <a:lstStyle/>
+          <a:p>
+            <a:r>
+              <a:rPr lang="it-IT" dirty="0"/>
+              <a:t>I modelli di ordine superiore al quarto tendono a overfittare i dati di identificazione</a:t>
+            </a:r>
+          </a:p>
+        </p:txBody>
+      </p:sp>
+      <p:pic>
+        <p:nvPicPr>
+          <p:cNvPr id="6" name="Immagine 5" descr="Immagine che contiene mappa, testo&#10;&#10;Descrizione generata automaticamente">
+            <a:extLst>
+              <a:ext uri="{FF2B5EF4-FFF2-40B4-BE49-F238E27FC236}">
+                <a16:creationId xmlns:a16="http://schemas.microsoft.com/office/drawing/2014/main" id="{161766D7-8B8E-44FF-82B1-9140128AE476}"/>
+              </a:ext>
+            </a:extLst>
+          </p:cNvPr>
+          <p:cNvPicPr>
+            <a:picLocks noChangeAspect="1"/>
+          </p:cNvPicPr>
+          <p:nvPr/>
+        </p:nvPicPr>
+        <p:blipFill rotWithShape="1">
+          <a:blip r:embed="rId2">
+            <a:extLst>
+              <a:ext uri="{28A0092B-C50C-407E-A947-70E740481C1C}">
+                <a14:useLocalDpi xmlns:a14="http://schemas.microsoft.com/office/drawing/2010/main" val="0"/>
+              </a:ext>
+            </a:extLst>
+          </a:blip>
+          <a:srcRect l="7940" r="4362"/>
+          <a:stretch/>
+        </p:blipFill>
+        <p:spPr>
+          <a:xfrm>
+            <a:off x="0" y="2448906"/>
+            <a:ext cx="5800725" cy="3138366"/>
+          </a:xfrm>
+          <a:prstGeom prst="rect">
+            <a:avLst/>
+          </a:prstGeom>
+        </p:spPr>
+      </p:pic>
+      <p:pic>
+        <p:nvPicPr>
+          <p:cNvPr id="10" name="Immagine 9" descr="Immagine che contiene mappa, testo&#10;&#10;Descrizione generata automaticamente">
+            <a:extLst>
+              <a:ext uri="{FF2B5EF4-FFF2-40B4-BE49-F238E27FC236}">
+                <a16:creationId xmlns:a16="http://schemas.microsoft.com/office/drawing/2014/main" id="{F3F4C665-6571-43AB-93C1-DF7925195935}"/>
+              </a:ext>
+            </a:extLst>
+          </p:cNvPr>
+          <p:cNvPicPr>
+            <a:picLocks noChangeAspect="1"/>
+          </p:cNvPicPr>
+          <p:nvPr/>
+        </p:nvPicPr>
+        <p:blipFill rotWithShape="1">
+          <a:blip r:embed="rId3">
+            <a:extLst>
+              <a:ext uri="{28A0092B-C50C-407E-A947-70E740481C1C}">
+                <a14:useLocalDpi xmlns:a14="http://schemas.microsoft.com/office/drawing/2010/main" val="0"/>
+              </a:ext>
+            </a:extLst>
+          </a:blip>
+          <a:srcRect l="7803" r="5058"/>
+          <a:stretch/>
+        </p:blipFill>
+        <p:spPr>
+          <a:xfrm>
+            <a:off x="6006175" y="2448906"/>
+            <a:ext cx="6138897" cy="3342692"/>
+          </a:xfrm>
+          <a:prstGeom prst="rect">
+            <a:avLst/>
+          </a:prstGeom>
+        </p:spPr>
+      </p:pic>
+      <p:sp>
+        <p:nvSpPr>
+          <p:cNvPr id="13" name="Freccia a destra 12">
+            <a:extLst>
+              <a:ext uri="{FF2B5EF4-FFF2-40B4-BE49-F238E27FC236}">
+                <a16:creationId xmlns:a16="http://schemas.microsoft.com/office/drawing/2014/main" id="{176A2246-5227-44BF-BDBB-A0CC01796163}"/>
+              </a:ext>
+            </a:extLst>
+          </p:cNvPr>
+          <p:cNvSpPr/>
+          <p:nvPr/>
+        </p:nvSpPr>
+        <p:spPr>
+          <a:xfrm>
+            <a:off x="7150925" y="4694167"/>
+            <a:ext cx="753703" cy="295276"/>
+          </a:xfrm>
+          <a:prstGeom prst="rightArrow">
+            <a:avLst/>
+          </a:prstGeom>
+          <a:solidFill>
+            <a:srgbClr val="FF0000"/>
+          </a:solidFill>
+          <a:ln>
+            <a:solidFill>
+              <a:schemeClr val="tx1"/>
+            </a:solidFill>
+          </a:ln>
+        </p:spPr>
+        <p:style>
+          <a:lnRef idx="2">
+            <a:schemeClr val="accent1">
+              <a:shade val="50000"/>
+            </a:schemeClr>
+          </a:lnRef>
+          <a:fillRef idx="1">
+            <a:schemeClr val="accent1"/>
+          </a:fillRef>
+          <a:effectRef idx="0">
+            <a:schemeClr val="accent1"/>
+          </a:effectRef>
+          <a:fontRef idx="minor">
+            <a:schemeClr val="lt1"/>
+          </a:fontRef>
+        </p:style>
+        <p:txBody>
+          <a:bodyPr rot="0" spcFirstLastPara="0" vertOverflow="overflow" horzOverflow="overflow" vert="horz" wrap="square" lIns="91440" tIns="45720" rIns="91440" bIns="45720" numCol="1" spcCol="0" rtlCol="0" fromWordArt="0" anchor="ctr" anchorCtr="0" forceAA="0" compatLnSpc="1">
+            <a:prstTxWarp prst="textNoShape">
+              <a:avLst/>
+            </a:prstTxWarp>
+            <a:noAutofit/>
+          </a:bodyPr>
+          <a:lstStyle/>
+          <a:p>
+            <a:pPr algn="ctr"/>
+            <a:endParaRPr lang="it-IT" b="1">
+              <a:ln w="22225">
+                <a:solidFill>
+                  <a:schemeClr val="accent2"/>
+                </a:solidFill>
+                <a:prstDash val="solid"/>
+              </a:ln>
+              <a:solidFill>
+                <a:schemeClr val="accent2">
+                  <a:lumMod val="40000"/>
+                  <a:lumOff val="60000"/>
+                </a:schemeClr>
+              </a:solidFill>
+            </a:endParaRPr>
+          </a:p>
+        </p:txBody>
+      </p:sp>
+      <p:sp>
+        <p:nvSpPr>
+          <p:cNvPr id="8" name="Freccia a destra 7">
+            <a:extLst>
+              <a:ext uri="{FF2B5EF4-FFF2-40B4-BE49-F238E27FC236}">
+                <a16:creationId xmlns:a16="http://schemas.microsoft.com/office/drawing/2014/main" id="{4CA51C86-695F-44C0-B8BF-A0B92CB59D2D}"/>
+              </a:ext>
+            </a:extLst>
+          </p:cNvPr>
+          <p:cNvSpPr/>
+          <p:nvPr/>
+        </p:nvSpPr>
+        <p:spPr>
+          <a:xfrm>
+            <a:off x="1416871" y="4710280"/>
+            <a:ext cx="753703" cy="279163"/>
+          </a:xfrm>
+          <a:prstGeom prst="rightArrow">
+            <a:avLst/>
+          </a:prstGeom>
+          <a:solidFill>
+            <a:srgbClr val="FF0000"/>
+          </a:solidFill>
+          <a:ln>
+            <a:solidFill>
+              <a:schemeClr val="tx1"/>
+            </a:solidFill>
+          </a:ln>
+        </p:spPr>
+        <p:style>
+          <a:lnRef idx="2">
+            <a:schemeClr val="accent1">
+              <a:shade val="50000"/>
+            </a:schemeClr>
+          </a:lnRef>
+          <a:fillRef idx="1">
+            <a:schemeClr val="accent1"/>
+          </a:fillRef>
+          <a:effectRef idx="0">
+            <a:schemeClr val="accent1"/>
+          </a:effectRef>
+          <a:fontRef idx="minor">
+            <a:schemeClr val="lt1"/>
+          </a:fontRef>
+        </p:style>
+        <p:txBody>
+          <a:bodyPr rot="0" spcFirstLastPara="0" vertOverflow="overflow" horzOverflow="overflow" vert="horz" wrap="square" lIns="91440" tIns="45720" rIns="91440" bIns="45720" numCol="1" spcCol="0" rtlCol="0" fromWordArt="0" anchor="ctr" anchorCtr="0" forceAA="0" compatLnSpc="1">
+            <a:prstTxWarp prst="textNoShape">
+              <a:avLst/>
+            </a:prstTxWarp>
+            <a:noAutofit/>
+          </a:bodyPr>
+          <a:lstStyle/>
+          <a:p>
+            <a:pPr algn="ctr"/>
+            <a:endParaRPr lang="it-IT" b="1">
+              <a:ln w="22225">
+                <a:solidFill>
+                  <a:schemeClr val="accent2"/>
+                </a:solidFill>
+                <a:prstDash val="solid"/>
+              </a:ln>
+              <a:solidFill>
+                <a:schemeClr val="accent2">
+                  <a:lumMod val="40000"/>
+                  <a:lumOff val="60000"/>
+                </a:schemeClr>
+              </a:solidFill>
+            </a:endParaRPr>
           </a:p>
         </p:txBody>
       </p:sp>
     </p:spTree>
     <p:extLst>
       <p:ext uri="{BB962C8B-B14F-4D97-AF65-F5344CB8AC3E}">
-        <p14:creationId xmlns:p14="http://schemas.microsoft.com/office/powerpoint/2010/main" val="654288896"/>
+        <p14:creationId xmlns:p14="http://schemas.microsoft.com/office/powerpoint/2010/main" val="1235166468"/>
       </p:ext>
     </p:extLst>
   </p:cSld>
@@ -12429,7 +12748,7 @@
           <p:cNvPr id="2" name="Titolo 1">
             <a:extLst>
               <a:ext uri="{FF2B5EF4-FFF2-40B4-BE49-F238E27FC236}">
-                <a16:creationId xmlns:a16="http://schemas.microsoft.com/office/drawing/2014/main" id="{BA0681D7-7D27-45DC-9762-FFE0BB2BF2ED}"/>
+                <a16:creationId xmlns:a16="http://schemas.microsoft.com/office/drawing/2014/main" id="{AE8F0231-F453-4F99-9E41-7A9ACE104BBA}"/>
               </a:ext>
             </a:extLst>
           </p:cNvPr>
@@ -12442,19 +12761,19 @@
         </p:nvSpPr>
         <p:spPr>
           <a:xfrm>
-            <a:off x="5362552" y="1327924"/>
-            <a:ext cx="6696098" cy="819355"/>
+            <a:off x="864901" y="1122362"/>
+            <a:ext cx="9833548" cy="1325563"/>
           </a:xfrm>
         </p:spPr>
         <p:txBody>
           <a:bodyPr>
-            <a:noAutofit/>
+            <a:normAutofit/>
           </a:bodyPr>
           <a:lstStyle/>
           <a:p>
             <a:pPr algn="ctr"/>
             <a:r>
-              <a:rPr lang="it-IT" sz="4400" dirty="0">
+              <a:rPr lang="it-IT" sz="5400" dirty="0">
                 <a:solidFill>
                   <a:srgbClr val="FF0000"/>
                 </a:solidFill>
@@ -12466,60 +12785,17 @@
                   </a:outerShdw>
                 </a:effectLst>
               </a:rPr>
-              <a:t>INDIVIDUAZIONE DEL TREND</a:t>
-            </a:r>
-          </a:p>
-        </p:txBody>
-      </p:sp>
-      <p:sp>
-        <p:nvSpPr>
-          <p:cNvPr id="4" name="Segnaposto testo 3">
-            <a:extLst>
-              <a:ext uri="{FF2B5EF4-FFF2-40B4-BE49-F238E27FC236}">
-                <a16:creationId xmlns:a16="http://schemas.microsoft.com/office/drawing/2014/main" id="{B1AAB8A4-3A9C-44D8-BC50-D839401F5BEA}"/>
-              </a:ext>
-            </a:extLst>
-          </p:cNvPr>
-          <p:cNvSpPr>
-            <a:spLocks noGrp="1"/>
-          </p:cNvSpPr>
-          <p:nvPr>
-            <p:ph type="body" sz="half" idx="2"/>
-          </p:nvPr>
-        </p:nvSpPr>
-        <p:spPr>
-          <a:xfrm>
-            <a:off x="8615351" y="3676650"/>
-            <a:ext cx="2858342" cy="1800225"/>
-          </a:xfrm>
-        </p:spPr>
-        <p:txBody>
-          <a:bodyPr>
-            <a:normAutofit/>
-          </a:bodyPr>
-          <a:lstStyle/>
-          <a:p>
-            <a:r>
-              <a:rPr lang="it-IT" sz="1800" dirty="0"/>
-              <a:t>Disponendo di dati relativi ad un periodo di soli due anni, ci limitiamo a stimare il trend con un </a:t>
-            </a:r>
-            <a:r>
-              <a:rPr lang="it-IT" sz="1800" i="1" dirty="0"/>
-              <a:t>modello lineare</a:t>
-            </a:r>
-            <a:r>
-              <a:rPr lang="it-IT" sz="1800" dirty="0"/>
-              <a:t> di primo ordine. </a:t>
+              <a:t>Modello del 4° ordine</a:t>
             </a:r>
           </a:p>
         </p:txBody>
       </p:sp>
       <p:pic>
         <p:nvPicPr>
-          <p:cNvPr id="10" name="Immagine 9" descr="Immagine che contiene cielo, barca&#10;&#10;Descrizione generata automaticamente">
+          <p:cNvPr id="9" name="Immagine 8" descr="Immagine che contiene screenshot&#10;&#10;Descrizione generata automaticamente">
             <a:extLst>
               <a:ext uri="{FF2B5EF4-FFF2-40B4-BE49-F238E27FC236}">
-                <a16:creationId xmlns:a16="http://schemas.microsoft.com/office/drawing/2014/main" id="{1D9774D9-FEB6-4DE7-B202-01F1A8456177}"/>
+                <a16:creationId xmlns:a16="http://schemas.microsoft.com/office/drawing/2014/main" id="{A28A029B-1882-4BCB-B3F6-A9C4B7D5E6B5}"/>
               </a:ext>
             </a:extLst>
           </p:cNvPr>
@@ -12536,13 +12812,13 @@
               </a:ext>
             </a:extLst>
           </a:blip>
-          <a:srcRect l="8486" t="2644" r="8432" b="5181"/>
+          <a:srcRect b="32514"/>
           <a:stretch/>
         </p:blipFill>
         <p:spPr>
           <a:xfrm>
-            <a:off x="190919" y="2868841"/>
-            <a:ext cx="7686255" cy="3989159"/>
+            <a:off x="1468090" y="2672818"/>
+            <a:ext cx="8926171" cy="1594382"/>
           </a:xfrm>
           <a:prstGeom prst="rect">
             <a:avLst/>
@@ -12551,10 +12827,10 @@
       </p:pic>
       <p:pic>
         <p:nvPicPr>
-          <p:cNvPr id="12" name="Immagine 11">
+          <p:cNvPr id="7" name="Immagine 6">
             <a:extLst>
               <a:ext uri="{FF2B5EF4-FFF2-40B4-BE49-F238E27FC236}">
-                <a16:creationId xmlns:a16="http://schemas.microsoft.com/office/drawing/2014/main" id="{7B45FFB2-E6E4-4ECD-B7D2-F3C2EC4C3FA3}"/>
+                <a16:creationId xmlns:a16="http://schemas.microsoft.com/office/drawing/2014/main" id="{C0BB8935-C7DA-45D1-9844-D72577CAFA0F}"/>
               </a:ext>
             </a:extLst>
           </p:cNvPr>
@@ -12577,8 +12853,116 @@
         </p:blipFill>
         <p:spPr>
           <a:xfrm>
-            <a:off x="418677" y="1425718"/>
-            <a:ext cx="5124873" cy="1493074"/>
+            <a:off x="9128125" y="2447924"/>
+            <a:ext cx="2236167" cy="1325563"/>
+          </a:xfrm>
+          <a:prstGeom prst="rect">
+            <a:avLst/>
+          </a:prstGeom>
+        </p:spPr>
+      </p:pic>
+      <p:pic>
+        <p:nvPicPr>
+          <p:cNvPr id="10" name="Immagine 9">
+            <a:extLst>
+              <a:ext uri="{FF2B5EF4-FFF2-40B4-BE49-F238E27FC236}">
+                <a16:creationId xmlns:a16="http://schemas.microsoft.com/office/drawing/2014/main" id="{35190E71-2C76-441F-AE4E-440AB65D1A69}"/>
+              </a:ext>
+            </a:extLst>
+          </p:cNvPr>
+          <p:cNvPicPr>
+            <a:picLocks noChangeAspect="1"/>
+          </p:cNvPicPr>
+          <p:nvPr/>
+        </p:nvPicPr>
+        <p:blipFill>
+          <a:blip r:embed="rId3">
+            <a:extLst>
+              <a:ext uri="{28A0092B-C50C-407E-A947-70E740481C1C}">
+                <a14:useLocalDpi xmlns:a14="http://schemas.microsoft.com/office/drawing/2010/main" val="0"/>
+              </a:ext>
+            </a:extLst>
+          </a:blip>
+          <a:stretch>
+            <a:fillRect/>
+          </a:stretch>
+        </p:blipFill>
+        <p:spPr>
+          <a:xfrm>
+            <a:off x="10223348" y="3773487"/>
+            <a:ext cx="45719" cy="1095528"/>
+          </a:xfrm>
+          <a:prstGeom prst="rect">
+            <a:avLst/>
+          </a:prstGeom>
+        </p:spPr>
+      </p:pic>
+      <p:pic>
+        <p:nvPicPr>
+          <p:cNvPr id="14" name="Immagine 13">
+            <a:extLst>
+              <a:ext uri="{FF2B5EF4-FFF2-40B4-BE49-F238E27FC236}">
+                <a16:creationId xmlns:a16="http://schemas.microsoft.com/office/drawing/2014/main" id="{5C38813A-50E6-4BE1-9424-6ACBA05F844F}"/>
+              </a:ext>
+            </a:extLst>
+          </p:cNvPr>
+          <p:cNvPicPr>
+            <a:picLocks noChangeAspect="1"/>
+          </p:cNvPicPr>
+          <p:nvPr/>
+        </p:nvPicPr>
+        <p:blipFill>
+          <a:blip r:embed="rId4">
+            <a:extLst>
+              <a:ext uri="{28A0092B-C50C-407E-A947-70E740481C1C}">
+                <a14:useLocalDpi xmlns:a14="http://schemas.microsoft.com/office/drawing/2010/main" val="0"/>
+              </a:ext>
+            </a:extLst>
+          </a:blip>
+          <a:stretch>
+            <a:fillRect/>
+          </a:stretch>
+        </p:blipFill>
+        <p:spPr>
+          <a:xfrm>
+            <a:off x="1592321" y="4334062"/>
+            <a:ext cx="3801708" cy="293922"/>
+          </a:xfrm>
+          <a:prstGeom prst="rect">
+            <a:avLst/>
+          </a:prstGeom>
+        </p:spPr>
+      </p:pic>
+      <p:pic>
+        <p:nvPicPr>
+          <p:cNvPr id="16" name="Immagine 15">
+            <a:extLst>
+              <a:ext uri="{FF2B5EF4-FFF2-40B4-BE49-F238E27FC236}">
+                <a16:creationId xmlns:a16="http://schemas.microsoft.com/office/drawing/2014/main" id="{5DBA7611-BD6E-4FFF-81BC-8D1142093769}"/>
+              </a:ext>
+            </a:extLst>
+          </p:cNvPr>
+          <p:cNvPicPr>
+            <a:picLocks noChangeAspect="1"/>
+          </p:cNvPicPr>
+          <p:nvPr/>
+        </p:nvPicPr>
+        <p:blipFill>
+          <a:blip r:embed="rId3">
+            <a:extLst>
+              <a:ext uri="{28A0092B-C50C-407E-A947-70E740481C1C}">
+                <a14:useLocalDpi xmlns:a14="http://schemas.microsoft.com/office/drawing/2010/main" val="0"/>
+              </a:ext>
+            </a:extLst>
+          </a:blip>
+          <a:stretch>
+            <a:fillRect/>
+          </a:stretch>
+        </p:blipFill>
+        <p:spPr>
+          <a:xfrm flipH="1">
+            <a:off x="10193801" y="3548594"/>
+            <a:ext cx="59094" cy="1095528"/>
           </a:xfrm>
           <a:prstGeom prst="rect">
             <a:avLst/>
@@ -12588,7 +12972,7 @@
     </p:spTree>
     <p:extLst>
       <p:ext uri="{BB962C8B-B14F-4D97-AF65-F5344CB8AC3E}">
-        <p14:creationId xmlns:p14="http://schemas.microsoft.com/office/powerpoint/2010/main" val="2531063507"/>
+        <p14:creationId xmlns:p14="http://schemas.microsoft.com/office/powerpoint/2010/main" val="2476505781"/>
       </p:ext>
     </p:extLst>
   </p:cSld>

--- a/progettomatlabfine (1).pptx
+++ b/progettomatlabfine (1).pptx
@@ -30,8 +30,9 @@
     <p:sldId id="287" r:id="rId24"/>
     <p:sldId id="290" r:id="rId25"/>
     <p:sldId id="288" r:id="rId26"/>
-    <p:sldId id="289" r:id="rId27"/>
-    <p:sldId id="291" r:id="rId28"/>
+    <p:sldId id="292" r:id="rId27"/>
+    <p:sldId id="289" r:id="rId28"/>
+    <p:sldId id="291" r:id="rId29"/>
   </p:sldIdLst>
   <p:sldSz cx="12192000" cy="6858000"/>
   <p:notesSz cx="6858000" cy="9144000"/>
@@ -9721,42 +9722,6 @@
           <a:chExt cx="0" cy="0"/>
         </a:xfrm>
       </p:grpSpPr>
-      <p:pic>
-        <p:nvPicPr>
-          <p:cNvPr id="3" name="Immagine 2">
-            <a:extLst>
-              <a:ext uri="{FF2B5EF4-FFF2-40B4-BE49-F238E27FC236}">
-                <a16:creationId xmlns:a16="http://schemas.microsoft.com/office/drawing/2014/main" id="{77E2AC34-A537-4503-8462-052D43330651}"/>
-              </a:ext>
-            </a:extLst>
-          </p:cNvPr>
-          <p:cNvPicPr>
-            <a:picLocks noChangeAspect="1"/>
-          </p:cNvPicPr>
-          <p:nvPr/>
-        </p:nvPicPr>
-        <p:blipFill>
-          <a:blip r:embed="rId2">
-            <a:extLst>
-              <a:ext uri="{28A0092B-C50C-407E-A947-70E740481C1C}">
-                <a14:useLocalDpi xmlns:a14="http://schemas.microsoft.com/office/drawing/2010/main" val="0"/>
-              </a:ext>
-            </a:extLst>
-          </a:blip>
-          <a:stretch>
-            <a:fillRect/>
-          </a:stretch>
-        </p:blipFill>
-        <p:spPr>
-          <a:xfrm>
-            <a:off x="601102" y="1447032"/>
-            <a:ext cx="10989796" cy="2854364"/>
-          </a:xfrm>
-          <a:prstGeom prst="rect">
-            <a:avLst/>
-          </a:prstGeom>
-        </p:spPr>
-      </p:pic>
       <p:graphicFrame>
         <p:nvGraphicFramePr>
           <p:cNvPr id="4" name="Tabella 3">
@@ -9772,13 +9737,13 @@
           <p:nvPr>
             <p:extLst>
               <p:ext uri="{D42A27DB-BD31-4B8C-83A1-F6EECF244321}">
-                <p14:modId xmlns:p14="http://schemas.microsoft.com/office/powerpoint/2010/main" val="216782587"/>
+                <p14:modId xmlns:p14="http://schemas.microsoft.com/office/powerpoint/2010/main" val="1368012394"/>
               </p:ext>
             </p:extLst>
           </p:nvPr>
         </p:nvGraphicFramePr>
         <p:xfrm>
-          <a:off x="601102" y="4448175"/>
+          <a:off x="601104" y="4564351"/>
           <a:ext cx="10910178" cy="2133600"/>
         </p:xfrm>
         <a:graphic>
@@ -9814,7 +9779,7 @@
                         <a:rPr lang="it-IT" sz="1400" b="0" dirty="0">
                           <a:effectLst/>
                         </a:rPr>
-                        <a:t>TEST</a:t>
+                        <a:t>INDICATORE</a:t>
                       </a:r>
                     </a:p>
                   </a:txBody>
@@ -10242,8 +10207,8 @@
         </p:nvSpPr>
         <p:spPr>
           <a:xfrm>
-            <a:off x="7928172" y="276225"/>
-            <a:ext cx="1720653" cy="923330"/>
+            <a:off x="5987415" y="103505"/>
+            <a:ext cx="6204585" cy="1754326"/>
           </a:xfrm>
           <a:prstGeom prst="rect">
             <a:avLst/>
@@ -10268,7 +10233,7 @@
                   </a:outerShdw>
                 </a:effectLst>
               </a:rPr>
-              <a:t>TEST</a:t>
+              <a:t>INDICATORI DI PERFORMANCE</a:t>
             </a:r>
             <a:endParaRPr lang="it-IT" sz="5400" dirty="0"/>
           </a:p>
@@ -10276,10 +10241,46 @@
       </p:sp>
       <p:pic>
         <p:nvPicPr>
-          <p:cNvPr id="6" name="Immagine 5">
+          <p:cNvPr id="9" name="Immagine 8" descr="Immagine che contiene persona, testo&#10;&#10;Descrizione generata automaticamente">
             <a:extLst>
               <a:ext uri="{FF2B5EF4-FFF2-40B4-BE49-F238E27FC236}">
-                <a16:creationId xmlns:a16="http://schemas.microsoft.com/office/drawing/2014/main" id="{FC493D43-9B70-45A5-9DA6-14CEB70BACB3}"/>
+                <a16:creationId xmlns:a16="http://schemas.microsoft.com/office/drawing/2014/main" id="{BE9142FE-EA8F-428A-B551-DCDD09EE8DA5}"/>
+              </a:ext>
+            </a:extLst>
+          </p:cNvPr>
+          <p:cNvPicPr>
+            <a:picLocks noChangeAspect="1"/>
+          </p:cNvPicPr>
+          <p:nvPr/>
+        </p:nvPicPr>
+        <p:blipFill>
+          <a:blip r:embed="rId2">
+            <a:extLst>
+              <a:ext uri="{28A0092B-C50C-407E-A947-70E740481C1C}">
+                <a14:useLocalDpi xmlns:a14="http://schemas.microsoft.com/office/drawing/2010/main" val="0"/>
+              </a:ext>
+            </a:extLst>
+          </a:blip>
+          <a:stretch>
+            <a:fillRect/>
+          </a:stretch>
+        </p:blipFill>
+        <p:spPr>
+          <a:xfrm>
+            <a:off x="601104" y="1857831"/>
+            <a:ext cx="9426680" cy="2632889"/>
+          </a:xfrm>
+          <a:prstGeom prst="rect">
+            <a:avLst/>
+          </a:prstGeom>
+        </p:spPr>
+      </p:pic>
+      <p:pic>
+        <p:nvPicPr>
+          <p:cNvPr id="13" name="Immagine 12">
+            <a:extLst>
+              <a:ext uri="{FF2B5EF4-FFF2-40B4-BE49-F238E27FC236}">
+                <a16:creationId xmlns:a16="http://schemas.microsoft.com/office/drawing/2014/main" id="{FBBE9D99-DB43-4881-A70F-EE8AF6F9CE31}"/>
               </a:ext>
             </a:extLst>
           </p:cNvPr>
@@ -10301,9 +10302,9 @@
           </a:stretch>
         </p:blipFill>
         <p:spPr>
-          <a:xfrm>
-            <a:off x="9603106" y="1389927"/>
-            <a:ext cx="45719" cy="2968574"/>
+          <a:xfrm flipH="1">
+            <a:off x="8848087" y="1732683"/>
+            <a:ext cx="52072" cy="2831668"/>
           </a:xfrm>
           <a:prstGeom prst="rect">
             <a:avLst/>
@@ -10358,7 +10359,7 @@
         </p:nvSpPr>
         <p:spPr>
           <a:xfrm>
-            <a:off x="732191" y="3618436"/>
+            <a:off x="732191" y="2833875"/>
             <a:ext cx="10820400" cy="4024125"/>
           </a:xfrm>
         </p:spPr>
@@ -10383,7 +10384,15 @@
               </a:rPr>
               <a:t> </a:t>
             </a:r>
-            <a:endParaRPr lang="it-IT" sz="2800" dirty="0"/>
+          </a:p>
+          <a:p>
+            <a:pPr marL="0" indent="0">
+              <a:buNone/>
+            </a:pPr>
+            <a:r>
+              <a:rPr lang="it-IT" sz="2800" dirty="0"/>
+              <a:t>Non essendo disponibile un terzo anno su cui effettuare la validazione si è cercato un modello che minimizzasse l’SSR per i dati di target mantenendolo basso anche per i dati di training, in modo da non overfittare il target.</a:t>
+            </a:r>
           </a:p>
         </p:txBody>
       </p:sp>
@@ -10401,7 +10410,7 @@
         </p:nvSpPr>
         <p:spPr>
           <a:xfrm>
-            <a:off x="732191" y="1389257"/>
+            <a:off x="732191" y="901577"/>
             <a:ext cx="10727617" cy="1569660"/>
           </a:xfrm>
           <a:prstGeom prst="rect">
@@ -10701,47 +10710,1012 @@
           <a:chExt cx="0" cy="0"/>
         </a:xfrm>
       </p:grpSpPr>
-      <p:pic>
-        <p:nvPicPr>
-          <p:cNvPr id="5" name="Segnaposto contenuto 4">
+      <p:graphicFrame>
+        <p:nvGraphicFramePr>
+          <p:cNvPr id="7" name="Tabella 6">
             <a:extLst>
               <a:ext uri="{FF2B5EF4-FFF2-40B4-BE49-F238E27FC236}">
-                <a16:creationId xmlns:a16="http://schemas.microsoft.com/office/drawing/2014/main" id="{E3ABBD7F-0DD7-4A82-A29E-31D9A1E8F7E7}"/>
+                <a16:creationId xmlns:a16="http://schemas.microsoft.com/office/drawing/2014/main" id="{A2206200-E2CC-49FF-B5F6-E750482BD6D8}"/>
               </a:ext>
             </a:extLst>
           </p:cNvPr>
-          <p:cNvPicPr>
-            <a:picLocks noGrp="1" noChangeAspect="1"/>
-          </p:cNvPicPr>
-          <p:nvPr>
-            <p:ph idx="1"/>
-          </p:nvPr>
-        </p:nvPicPr>
-        <p:blipFill>
-          <a:blip r:embed="rId2">
-            <a:extLst>
-              <a:ext uri="{28A0092B-C50C-407E-A947-70E740481C1C}">
-                <a14:useLocalDpi xmlns:a14="http://schemas.microsoft.com/office/drawing/2010/main" val="0"/>
-              </a:ext>
-            </a:extLst>
-          </a:blip>
-          <a:stretch>
-            <a:fillRect/>
-          </a:stretch>
-        </p:blipFill>
-        <p:spPr>
-          <a:xfrm>
-            <a:off x="2543626" y="1762539"/>
-            <a:ext cx="6793947" cy="5095461"/>
-          </a:xfrm>
-        </p:spPr>
-      </p:pic>
-      <p:sp>
-        <p:nvSpPr>
-          <p:cNvPr id="6" name="Rettangolo 5">
+          <p:cNvGraphicFramePr>
+            <a:graphicFrameLocks noGrp="1"/>
+          </p:cNvGraphicFramePr>
+          <p:nvPr>
+            <p:extLst>
+              <p:ext uri="{D42A27DB-BD31-4B8C-83A1-F6EECF244321}">
+                <p14:modId xmlns:p14="http://schemas.microsoft.com/office/powerpoint/2010/main" val="2307319651"/>
+              </p:ext>
+            </p:extLst>
+          </p:nvPr>
+        </p:nvGraphicFramePr>
+        <p:xfrm>
+          <a:off x="2092959" y="1877695"/>
+          <a:ext cx="9458130" cy="2133600"/>
+        </p:xfrm>
+        <a:graphic>
+          <a:graphicData uri="http://schemas.openxmlformats.org/drawingml/2006/table">
+            <a:tbl>
+              <a:tblPr firstRow="1" bandRow="1">
+                <a:tableStyleId>{3B4B98B0-60AC-42C2-AFA5-B58CD77FA1E5}</a:tableStyleId>
+              </a:tblPr>
+              <a:tblGrid>
+                <a:gridCol w="4729065">
+                  <a:extLst>
+                    <a:ext uri="{9D8B030D-6E8A-4147-A177-3AD203B41FA5}">
+                      <a16:colId xmlns:a16="http://schemas.microsoft.com/office/drawing/2014/main" val="1788825367"/>
+                    </a:ext>
+                  </a:extLst>
+                </a:gridCol>
+                <a:gridCol w="4729065">
+                  <a:extLst>
+                    <a:ext uri="{9D8B030D-6E8A-4147-A177-3AD203B41FA5}">
+                      <a16:colId xmlns:a16="http://schemas.microsoft.com/office/drawing/2014/main" val="2862232018"/>
+                    </a:ext>
+                  </a:extLst>
+                </a:gridCol>
+              </a:tblGrid>
+              <a:tr h="298722">
+                <a:tc>
+                  <a:txBody>
+                    <a:bodyPr/>
+                    <a:lstStyle/>
+                    <a:p>
+                      <a:pPr algn="ctr"/>
+                      <a:r>
+                        <a:rPr lang="it-IT" sz="1400" b="0" dirty="0">
+                          <a:effectLst/>
+                        </a:rPr>
+                        <a:t>INDICATORE</a:t>
+                      </a:r>
+                    </a:p>
+                  </a:txBody>
+                  <a:tcPr/>
+                </a:tc>
+                <a:tc>
+                  <a:txBody>
+                    <a:bodyPr/>
+                    <a:lstStyle/>
+                    <a:p>
+                      <a:pPr algn="ctr"/>
+                      <a:r>
+                        <a:rPr lang="it-IT" sz="1400" b="0" dirty="0">
+                          <a:effectLst/>
+                        </a:rPr>
+                        <a:t>VALORE</a:t>
+                      </a:r>
+                    </a:p>
+                  </a:txBody>
+                  <a:tcPr/>
+                </a:tc>
+                <a:extLst>
+                  <a:ext uri="{0D108BD9-81ED-4DB2-BD59-A6C34878D82A}">
+                    <a16:rowId xmlns:a16="http://schemas.microsoft.com/office/drawing/2014/main" val="791999451"/>
+                  </a:ext>
+                </a:extLst>
+              </a:tr>
+              <a:tr h="298722">
+                <a:tc>
+                  <a:txBody>
+                    <a:bodyPr/>
+                    <a:lstStyle/>
+                    <a:p>
+                      <a:pPr algn="ctr"/>
+                      <a:r>
+                        <a:rPr lang="it-IT" sz="1400" dirty="0">
+                          <a:effectLst/>
+                        </a:rPr>
+                        <a:t>SSR</a:t>
+                      </a:r>
+                    </a:p>
+                  </a:txBody>
+                  <a:tcPr/>
+                </a:tc>
+                <a:tc>
+                  <a:txBody>
+                    <a:bodyPr/>
+                    <a:lstStyle/>
+                    <a:p>
+                      <a:pPr marL="0" marR="0" lvl="0" indent="0" algn="ctr" defTabSz="914400" rtl="0" eaLnBrk="1" fontAlgn="auto" latinLnBrk="0" hangingPunct="1">
+                        <a:lnSpc>
+                          <a:spcPct val="100000"/>
+                        </a:lnSpc>
+                        <a:spcBef>
+                          <a:spcPts val="0"/>
+                        </a:spcBef>
+                        <a:spcAft>
+                          <a:spcPts val="0"/>
+                        </a:spcAft>
+                        <a:buClrTx/>
+                        <a:buSzTx/>
+                        <a:buFontTx/>
+                        <a:buNone/>
+                        <a:tabLst/>
+                        <a:defRPr/>
+                      </a:pPr>
+                      <a:r>
+                        <a:rPr lang="it-IT" sz="1400" kern="1200" dirty="0">
+                          <a:effectLst/>
+                        </a:rPr>
+                        <a:t>2.28*10</a:t>
+                      </a:r>
+                      <a:r>
+                        <a:rPr lang="it-IT" sz="1400" kern="1200" baseline="30000" dirty="0">
+                          <a:effectLst/>
+                        </a:rPr>
+                        <a:t>9</a:t>
+                      </a:r>
+                      <a:endParaRPr lang="it-IT" sz="1400" kern="1200" dirty="0">
+                        <a:solidFill>
+                          <a:schemeClr val="dk1"/>
+                        </a:solidFill>
+                        <a:effectLst/>
+                        <a:latin typeface="+mn-lt"/>
+                        <a:ea typeface="+mn-ea"/>
+                        <a:cs typeface="+mn-cs"/>
+                      </a:endParaRPr>
+                    </a:p>
+                  </a:txBody>
+                  <a:tcPr/>
+                </a:tc>
+                <a:extLst>
+                  <a:ext uri="{0D108BD9-81ED-4DB2-BD59-A6C34878D82A}">
+                    <a16:rowId xmlns:a16="http://schemas.microsoft.com/office/drawing/2014/main" val="176193075"/>
+                  </a:ext>
+                </a:extLst>
+              </a:tr>
+              <a:tr h="298722">
+                <a:tc>
+                  <a:txBody>
+                    <a:bodyPr/>
+                    <a:lstStyle/>
+                    <a:p>
+                      <a:pPr algn="ctr"/>
+                      <a:r>
+                        <a:rPr lang="it-IT" sz="1400" dirty="0">
+                          <a:effectLst/>
+                        </a:rPr>
+                        <a:t>MSE</a:t>
+                      </a:r>
+                    </a:p>
+                  </a:txBody>
+                  <a:tcPr/>
+                </a:tc>
+                <a:tc>
+                  <a:txBody>
+                    <a:bodyPr/>
+                    <a:lstStyle/>
+                    <a:p>
+                      <a:pPr marL="0" marR="0" lvl="0" indent="0" algn="ctr" defTabSz="914400" rtl="0" eaLnBrk="1" fontAlgn="auto" latinLnBrk="0" hangingPunct="1">
+                        <a:lnSpc>
+                          <a:spcPct val="100000"/>
+                        </a:lnSpc>
+                        <a:spcBef>
+                          <a:spcPts val="0"/>
+                        </a:spcBef>
+                        <a:spcAft>
+                          <a:spcPts val="0"/>
+                        </a:spcAft>
+                        <a:buClrTx/>
+                        <a:buSzTx/>
+                        <a:buFontTx/>
+                        <a:buNone/>
+                        <a:tabLst/>
+                        <a:defRPr/>
+                      </a:pPr>
+                      <a:r>
+                        <a:rPr lang="it-IT" sz="1400" dirty="0">
+                          <a:effectLst/>
+                        </a:rPr>
+                        <a:t>2.23*</a:t>
+                      </a:r>
+                      <a:r>
+                        <a:rPr lang="it-IT" sz="1400" kern="1200" dirty="0">
+                          <a:effectLst/>
+                        </a:rPr>
+                        <a:t>10</a:t>
+                      </a:r>
+                      <a:r>
+                        <a:rPr lang="it-IT" sz="1400" kern="1200" baseline="30000" dirty="0">
+                          <a:effectLst/>
+                        </a:rPr>
+                        <a:t>6</a:t>
+                      </a:r>
+                      <a:endParaRPr lang="it-IT" sz="1400" kern="1200" dirty="0">
+                        <a:solidFill>
+                          <a:schemeClr val="dk1"/>
+                        </a:solidFill>
+                        <a:effectLst/>
+                        <a:latin typeface="+mn-lt"/>
+                        <a:ea typeface="+mn-ea"/>
+                        <a:cs typeface="+mn-cs"/>
+                      </a:endParaRPr>
+                    </a:p>
+                  </a:txBody>
+                  <a:tcPr/>
+                </a:tc>
+                <a:extLst>
+                  <a:ext uri="{0D108BD9-81ED-4DB2-BD59-A6C34878D82A}">
+                    <a16:rowId xmlns:a16="http://schemas.microsoft.com/office/drawing/2014/main" val="2216884839"/>
+                  </a:ext>
+                </a:extLst>
+              </a:tr>
+              <a:tr h="298722">
+                <a:tc>
+                  <a:txBody>
+                    <a:bodyPr/>
+                    <a:lstStyle/>
+                    <a:p>
+                      <a:pPr algn="ctr"/>
+                      <a:r>
+                        <a:rPr lang="it-IT" sz="1400" dirty="0">
+                          <a:effectLst/>
+                        </a:rPr>
+                        <a:t>RMSD</a:t>
+                      </a:r>
+                    </a:p>
+                  </a:txBody>
+                  <a:tcPr/>
+                </a:tc>
+                <a:tc>
+                  <a:txBody>
+                    <a:bodyPr/>
+                    <a:lstStyle/>
+                    <a:p>
+                      <a:pPr marL="0" marR="0" lvl="0" indent="0" algn="ctr" defTabSz="914400" rtl="0" eaLnBrk="1" fontAlgn="auto" latinLnBrk="0" hangingPunct="1">
+                        <a:lnSpc>
+                          <a:spcPct val="100000"/>
+                        </a:lnSpc>
+                        <a:spcBef>
+                          <a:spcPts val="0"/>
+                        </a:spcBef>
+                        <a:spcAft>
+                          <a:spcPts val="0"/>
+                        </a:spcAft>
+                        <a:buClrTx/>
+                        <a:buSzTx/>
+                        <a:buFontTx/>
+                        <a:buNone/>
+                        <a:tabLst/>
+                        <a:defRPr/>
+                      </a:pPr>
+                      <a:r>
+                        <a:rPr lang="it-IT" sz="1400" dirty="0">
+                          <a:effectLst/>
+                        </a:rPr>
+                        <a:t>1.49*</a:t>
+                      </a:r>
+                      <a:r>
+                        <a:rPr lang="it-IT" sz="1400" kern="1200" dirty="0">
+                          <a:effectLst/>
+                        </a:rPr>
+                        <a:t>10</a:t>
+                      </a:r>
+                      <a:r>
+                        <a:rPr lang="it-IT" sz="1400" kern="1200" baseline="30000" dirty="0">
+                          <a:effectLst/>
+                        </a:rPr>
+                        <a:t>3</a:t>
+                      </a:r>
+                      <a:endParaRPr lang="it-IT" sz="1400" kern="1200" baseline="30000" dirty="0">
+                        <a:solidFill>
+                          <a:schemeClr val="dk1"/>
+                        </a:solidFill>
+                        <a:effectLst/>
+                        <a:latin typeface="+mn-lt"/>
+                        <a:ea typeface="+mn-ea"/>
+                        <a:cs typeface="+mn-cs"/>
+                      </a:endParaRPr>
+                    </a:p>
+                  </a:txBody>
+                  <a:tcPr/>
+                </a:tc>
+                <a:extLst>
+                  <a:ext uri="{0D108BD9-81ED-4DB2-BD59-A6C34878D82A}">
+                    <a16:rowId xmlns:a16="http://schemas.microsoft.com/office/drawing/2014/main" val="3501360141"/>
+                  </a:ext>
+                </a:extLst>
+              </a:tr>
+              <a:tr h="298722">
+                <a:tc>
+                  <a:txBody>
+                    <a:bodyPr/>
+                    <a:lstStyle/>
+                    <a:p>
+                      <a:pPr algn="ctr"/>
+                      <a:r>
+                        <a:rPr lang="it-IT" sz="1400" dirty="0">
+                          <a:effectLst/>
+                        </a:rPr>
+                        <a:t>NRMSD (media)</a:t>
+                      </a:r>
+                    </a:p>
+                  </a:txBody>
+                  <a:tcPr/>
+                </a:tc>
+                <a:tc>
+                  <a:txBody>
+                    <a:bodyPr/>
+                    <a:lstStyle/>
+                    <a:p>
+                      <a:pPr algn="ctr"/>
+                      <a:r>
+                        <a:rPr lang="it-IT" sz="1400" dirty="0">
+                          <a:effectLst/>
+                        </a:rPr>
+                        <a:t>3.41%</a:t>
+                      </a:r>
+                    </a:p>
+                  </a:txBody>
+                  <a:tcPr/>
+                </a:tc>
+                <a:extLst>
+                  <a:ext uri="{0D108BD9-81ED-4DB2-BD59-A6C34878D82A}">
+                    <a16:rowId xmlns:a16="http://schemas.microsoft.com/office/drawing/2014/main" val="1578905213"/>
+                  </a:ext>
+                </a:extLst>
+              </a:tr>
+              <a:tr h="298722">
+                <a:tc>
+                  <a:txBody>
+                    <a:bodyPr/>
+                    <a:lstStyle/>
+                    <a:p>
+                      <a:pPr algn="ctr"/>
+                      <a:r>
+                        <a:rPr lang="it-IT" sz="1400" dirty="0">
+                          <a:effectLst/>
+                        </a:rPr>
+                        <a:t>NRMSD (range)</a:t>
+                      </a:r>
+                    </a:p>
+                  </a:txBody>
+                  <a:tcPr/>
+                </a:tc>
+                <a:tc>
+                  <a:txBody>
+                    <a:bodyPr/>
+                    <a:lstStyle/>
+                    <a:p>
+                      <a:pPr algn="ctr"/>
+                      <a:r>
+                        <a:rPr lang="it-IT" sz="1400" dirty="0">
+                          <a:effectLst/>
+                        </a:rPr>
+                        <a:t>5.11%</a:t>
+                      </a:r>
+                    </a:p>
+                  </a:txBody>
+                  <a:tcPr/>
+                </a:tc>
+                <a:extLst>
+                  <a:ext uri="{0D108BD9-81ED-4DB2-BD59-A6C34878D82A}">
+                    <a16:rowId xmlns:a16="http://schemas.microsoft.com/office/drawing/2014/main" val="2139346361"/>
+                  </a:ext>
+                </a:extLst>
+              </a:tr>
+              <a:tr h="298722">
+                <a:tc>
+                  <a:txBody>
+                    <a:bodyPr/>
+                    <a:lstStyle/>
+                    <a:p>
+                      <a:pPr algn="ctr"/>
+                      <a:r>
+                        <a:rPr lang="it-IT" sz="1400" dirty="0">
+                          <a:effectLst/>
+                        </a:rPr>
+                        <a:t>MAE</a:t>
+                      </a:r>
+                    </a:p>
+                  </a:txBody>
+                  <a:tcPr/>
+                </a:tc>
+                <a:tc>
+                  <a:txBody>
+                    <a:bodyPr/>
+                    <a:lstStyle/>
+                    <a:p>
+                      <a:pPr marL="0" marR="0" lvl="0" indent="0" algn="ctr" defTabSz="914400" rtl="0" eaLnBrk="1" fontAlgn="auto" latinLnBrk="0" hangingPunct="1">
+                        <a:lnSpc>
+                          <a:spcPct val="100000"/>
+                        </a:lnSpc>
+                        <a:spcBef>
+                          <a:spcPts val="0"/>
+                        </a:spcBef>
+                        <a:spcAft>
+                          <a:spcPts val="0"/>
+                        </a:spcAft>
+                        <a:buClrTx/>
+                        <a:buSzTx/>
+                        <a:buFontTx/>
+                        <a:buNone/>
+                        <a:tabLst/>
+                        <a:defRPr/>
+                      </a:pPr>
+                      <a:r>
+                        <a:rPr lang="it-IT" sz="1400" dirty="0">
+                          <a:effectLst/>
+                        </a:rPr>
+                        <a:t>1.04*</a:t>
+                      </a:r>
+                      <a:r>
+                        <a:rPr lang="it-IT" sz="1400" kern="1200" dirty="0">
+                          <a:effectLst/>
+                        </a:rPr>
+                        <a:t>10</a:t>
+                      </a:r>
+                      <a:r>
+                        <a:rPr lang="it-IT" sz="1400" kern="1200" baseline="30000" dirty="0">
+                          <a:effectLst/>
+                        </a:rPr>
+                        <a:t>3</a:t>
+                      </a:r>
+                      <a:endParaRPr lang="it-IT" sz="1400" kern="1200" dirty="0">
+                        <a:solidFill>
+                          <a:schemeClr val="dk1"/>
+                        </a:solidFill>
+                        <a:effectLst/>
+                        <a:latin typeface="+mn-lt"/>
+                        <a:ea typeface="+mn-ea"/>
+                        <a:cs typeface="+mn-cs"/>
+                      </a:endParaRPr>
+                    </a:p>
+                  </a:txBody>
+                  <a:tcPr/>
+                </a:tc>
+                <a:extLst>
+                  <a:ext uri="{0D108BD9-81ED-4DB2-BD59-A6C34878D82A}">
+                    <a16:rowId xmlns:a16="http://schemas.microsoft.com/office/drawing/2014/main" val="873540038"/>
+                  </a:ext>
+                </a:extLst>
+              </a:tr>
+            </a:tbl>
+          </a:graphicData>
+        </a:graphic>
+      </p:graphicFrame>
+      <p:graphicFrame>
+        <p:nvGraphicFramePr>
+          <p:cNvPr id="8" name="Tabella 7">
             <a:extLst>
               <a:ext uri="{FF2B5EF4-FFF2-40B4-BE49-F238E27FC236}">
-                <a16:creationId xmlns:a16="http://schemas.microsoft.com/office/drawing/2014/main" id="{1193608B-9B0C-431A-B2D0-7E787C95B474}"/>
+                <a16:creationId xmlns:a16="http://schemas.microsoft.com/office/drawing/2014/main" id="{60C5B311-137F-4313-9C24-4907D3D11D0F}"/>
+              </a:ext>
+            </a:extLst>
+          </p:cNvPr>
+          <p:cNvGraphicFramePr>
+            <a:graphicFrameLocks noGrp="1"/>
+          </p:cNvGraphicFramePr>
+          <p:nvPr>
+            <p:extLst>
+              <p:ext uri="{D42A27DB-BD31-4B8C-83A1-F6EECF244321}">
+                <p14:modId xmlns:p14="http://schemas.microsoft.com/office/powerpoint/2010/main" val="3484709083"/>
+              </p:ext>
+            </p:extLst>
+          </p:nvPr>
+        </p:nvGraphicFramePr>
+        <p:xfrm>
+          <a:off x="2092960" y="4448175"/>
+          <a:ext cx="9418320" cy="2133600"/>
+        </p:xfrm>
+        <a:graphic>
+          <a:graphicData uri="http://schemas.openxmlformats.org/drawingml/2006/table">
+            <a:tbl>
+              <a:tblPr firstRow="1" bandRow="1">
+                <a:tableStyleId>{3B4B98B0-60AC-42C2-AFA5-B58CD77FA1E5}</a:tableStyleId>
+              </a:tblPr>
+              <a:tblGrid>
+                <a:gridCol w="4709160">
+                  <a:extLst>
+                    <a:ext uri="{9D8B030D-6E8A-4147-A177-3AD203B41FA5}">
+                      <a16:colId xmlns:a16="http://schemas.microsoft.com/office/drawing/2014/main" val="1788825367"/>
+                    </a:ext>
+                  </a:extLst>
+                </a:gridCol>
+                <a:gridCol w="4709160">
+                  <a:extLst>
+                    <a:ext uri="{9D8B030D-6E8A-4147-A177-3AD203B41FA5}">
+                      <a16:colId xmlns:a16="http://schemas.microsoft.com/office/drawing/2014/main" val="2862232018"/>
+                    </a:ext>
+                  </a:extLst>
+                </a:gridCol>
+              </a:tblGrid>
+              <a:tr h="298722">
+                <a:tc>
+                  <a:txBody>
+                    <a:bodyPr/>
+                    <a:lstStyle/>
+                    <a:p>
+                      <a:pPr algn="ctr"/>
+                      <a:r>
+                        <a:rPr lang="it-IT" sz="1400" b="0" dirty="0">
+                          <a:effectLst/>
+                        </a:rPr>
+                        <a:t>INDICATORE</a:t>
+                      </a:r>
+                    </a:p>
+                  </a:txBody>
+                  <a:tcPr/>
+                </a:tc>
+                <a:tc>
+                  <a:txBody>
+                    <a:bodyPr/>
+                    <a:lstStyle/>
+                    <a:p>
+                      <a:pPr algn="ctr"/>
+                      <a:r>
+                        <a:rPr lang="it-IT" sz="1400" b="0" dirty="0">
+                          <a:effectLst/>
+                        </a:rPr>
+                        <a:t>VALORE</a:t>
+                      </a:r>
+                    </a:p>
+                  </a:txBody>
+                  <a:tcPr/>
+                </a:tc>
+                <a:extLst>
+                  <a:ext uri="{0D108BD9-81ED-4DB2-BD59-A6C34878D82A}">
+                    <a16:rowId xmlns:a16="http://schemas.microsoft.com/office/drawing/2014/main" val="791999451"/>
+                  </a:ext>
+                </a:extLst>
+              </a:tr>
+              <a:tr h="298722">
+                <a:tc>
+                  <a:txBody>
+                    <a:bodyPr/>
+                    <a:lstStyle/>
+                    <a:p>
+                      <a:pPr algn="ctr"/>
+                      <a:r>
+                        <a:rPr lang="it-IT" sz="1400" dirty="0">
+                          <a:effectLst/>
+                        </a:rPr>
+                        <a:t>SSR</a:t>
+                      </a:r>
+                    </a:p>
+                  </a:txBody>
+                  <a:tcPr/>
+                </a:tc>
+                <a:tc>
+                  <a:txBody>
+                    <a:bodyPr/>
+                    <a:lstStyle/>
+                    <a:p>
+                      <a:pPr marL="0" marR="0" lvl="0" indent="0" algn="ctr" defTabSz="914400" rtl="0" eaLnBrk="1" fontAlgn="auto" latinLnBrk="0" hangingPunct="1">
+                        <a:lnSpc>
+                          <a:spcPct val="100000"/>
+                        </a:lnSpc>
+                        <a:spcBef>
+                          <a:spcPts val="0"/>
+                        </a:spcBef>
+                        <a:spcAft>
+                          <a:spcPts val="0"/>
+                        </a:spcAft>
+                        <a:buClrTx/>
+                        <a:buSzTx/>
+                        <a:buFontTx/>
+                        <a:buNone/>
+                        <a:tabLst/>
+                        <a:defRPr/>
+                      </a:pPr>
+                      <a:r>
+                        <a:rPr lang="it-IT" sz="1400" kern="1200" dirty="0">
+                          <a:effectLst/>
+                        </a:rPr>
+                        <a:t>2.23*10</a:t>
+                      </a:r>
+                      <a:r>
+                        <a:rPr lang="it-IT" sz="1400" kern="1200" baseline="30000" dirty="0">
+                          <a:effectLst/>
+                        </a:rPr>
+                        <a:t>9</a:t>
+                      </a:r>
+                      <a:endParaRPr lang="it-IT" sz="1400" kern="1200" dirty="0">
+                        <a:solidFill>
+                          <a:schemeClr val="dk1"/>
+                        </a:solidFill>
+                        <a:effectLst/>
+                        <a:latin typeface="+mn-lt"/>
+                        <a:ea typeface="+mn-ea"/>
+                        <a:cs typeface="+mn-cs"/>
+                      </a:endParaRPr>
+                    </a:p>
+                  </a:txBody>
+                  <a:tcPr/>
+                </a:tc>
+                <a:extLst>
+                  <a:ext uri="{0D108BD9-81ED-4DB2-BD59-A6C34878D82A}">
+                    <a16:rowId xmlns:a16="http://schemas.microsoft.com/office/drawing/2014/main" val="176193075"/>
+                  </a:ext>
+                </a:extLst>
+              </a:tr>
+              <a:tr h="298722">
+                <a:tc>
+                  <a:txBody>
+                    <a:bodyPr/>
+                    <a:lstStyle/>
+                    <a:p>
+                      <a:pPr algn="ctr"/>
+                      <a:r>
+                        <a:rPr lang="it-IT" sz="1400" dirty="0">
+                          <a:effectLst/>
+                        </a:rPr>
+                        <a:t>MSE</a:t>
+                      </a:r>
+                    </a:p>
+                  </a:txBody>
+                  <a:tcPr/>
+                </a:tc>
+                <a:tc>
+                  <a:txBody>
+                    <a:bodyPr/>
+                    <a:lstStyle/>
+                    <a:p>
+                      <a:pPr marL="0" marR="0" lvl="0" indent="0" algn="ctr" defTabSz="914400" rtl="0" eaLnBrk="1" fontAlgn="auto" latinLnBrk="0" hangingPunct="1">
+                        <a:lnSpc>
+                          <a:spcPct val="100000"/>
+                        </a:lnSpc>
+                        <a:spcBef>
+                          <a:spcPts val="0"/>
+                        </a:spcBef>
+                        <a:spcAft>
+                          <a:spcPts val="0"/>
+                        </a:spcAft>
+                        <a:buClrTx/>
+                        <a:buSzTx/>
+                        <a:buFontTx/>
+                        <a:buNone/>
+                        <a:tabLst/>
+                        <a:defRPr/>
+                      </a:pPr>
+                      <a:r>
+                        <a:rPr lang="it-IT" sz="1400" dirty="0">
+                          <a:effectLst/>
+                        </a:rPr>
+                        <a:t>2.18*</a:t>
+                      </a:r>
+                      <a:r>
+                        <a:rPr lang="it-IT" sz="1400" kern="1200" dirty="0">
+                          <a:effectLst/>
+                        </a:rPr>
+                        <a:t>10</a:t>
+                      </a:r>
+                      <a:r>
+                        <a:rPr lang="it-IT" sz="1400" kern="1200" baseline="30000" dirty="0">
+                          <a:effectLst/>
+                        </a:rPr>
+                        <a:t>6</a:t>
+                      </a:r>
+                      <a:endParaRPr lang="it-IT" sz="1400" kern="1200" dirty="0">
+                        <a:solidFill>
+                          <a:schemeClr val="dk1"/>
+                        </a:solidFill>
+                        <a:effectLst/>
+                        <a:latin typeface="+mn-lt"/>
+                        <a:ea typeface="+mn-ea"/>
+                        <a:cs typeface="+mn-cs"/>
+                      </a:endParaRPr>
+                    </a:p>
+                  </a:txBody>
+                  <a:tcPr/>
+                </a:tc>
+                <a:extLst>
+                  <a:ext uri="{0D108BD9-81ED-4DB2-BD59-A6C34878D82A}">
+                    <a16:rowId xmlns:a16="http://schemas.microsoft.com/office/drawing/2014/main" val="2216884839"/>
+                  </a:ext>
+                </a:extLst>
+              </a:tr>
+              <a:tr h="298722">
+                <a:tc>
+                  <a:txBody>
+                    <a:bodyPr/>
+                    <a:lstStyle/>
+                    <a:p>
+                      <a:pPr algn="ctr"/>
+                      <a:r>
+                        <a:rPr lang="it-IT" sz="1400" dirty="0">
+                          <a:effectLst/>
+                        </a:rPr>
+                        <a:t>RMSD</a:t>
+                      </a:r>
+                    </a:p>
+                  </a:txBody>
+                  <a:tcPr/>
+                </a:tc>
+                <a:tc>
+                  <a:txBody>
+                    <a:bodyPr/>
+                    <a:lstStyle/>
+                    <a:p>
+                      <a:pPr marL="0" marR="0" lvl="0" indent="0" algn="ctr" defTabSz="914400" rtl="0" eaLnBrk="1" fontAlgn="auto" latinLnBrk="0" hangingPunct="1">
+                        <a:lnSpc>
+                          <a:spcPct val="100000"/>
+                        </a:lnSpc>
+                        <a:spcBef>
+                          <a:spcPts val="0"/>
+                        </a:spcBef>
+                        <a:spcAft>
+                          <a:spcPts val="0"/>
+                        </a:spcAft>
+                        <a:buClrTx/>
+                        <a:buSzTx/>
+                        <a:buFontTx/>
+                        <a:buNone/>
+                        <a:tabLst/>
+                        <a:defRPr/>
+                      </a:pPr>
+                      <a:r>
+                        <a:rPr lang="it-IT" sz="1400" dirty="0">
+                          <a:effectLst/>
+                        </a:rPr>
+                        <a:t>1.48*</a:t>
+                      </a:r>
+                      <a:r>
+                        <a:rPr lang="it-IT" sz="1400" kern="1200" dirty="0">
+                          <a:effectLst/>
+                        </a:rPr>
+                        <a:t>10</a:t>
+                      </a:r>
+                      <a:r>
+                        <a:rPr lang="it-IT" sz="1400" kern="1200" baseline="30000" dirty="0">
+                          <a:effectLst/>
+                        </a:rPr>
+                        <a:t>3</a:t>
+                      </a:r>
+                      <a:endParaRPr lang="it-IT" sz="1400" kern="1200" baseline="30000" dirty="0">
+                        <a:solidFill>
+                          <a:schemeClr val="dk1"/>
+                        </a:solidFill>
+                        <a:effectLst/>
+                        <a:latin typeface="+mn-lt"/>
+                        <a:ea typeface="+mn-ea"/>
+                        <a:cs typeface="+mn-cs"/>
+                      </a:endParaRPr>
+                    </a:p>
+                  </a:txBody>
+                  <a:tcPr/>
+                </a:tc>
+                <a:extLst>
+                  <a:ext uri="{0D108BD9-81ED-4DB2-BD59-A6C34878D82A}">
+                    <a16:rowId xmlns:a16="http://schemas.microsoft.com/office/drawing/2014/main" val="3501360141"/>
+                  </a:ext>
+                </a:extLst>
+              </a:tr>
+              <a:tr h="298722">
+                <a:tc>
+                  <a:txBody>
+                    <a:bodyPr/>
+                    <a:lstStyle/>
+                    <a:p>
+                      <a:pPr algn="ctr"/>
+                      <a:r>
+                        <a:rPr lang="it-IT" sz="1400" dirty="0">
+                          <a:effectLst/>
+                        </a:rPr>
+                        <a:t>NRMSD (media)</a:t>
+                      </a:r>
+                    </a:p>
+                  </a:txBody>
+                  <a:tcPr/>
+                </a:tc>
+                <a:tc>
+                  <a:txBody>
+                    <a:bodyPr/>
+                    <a:lstStyle/>
+                    <a:p>
+                      <a:pPr algn="ctr"/>
+                      <a:r>
+                        <a:rPr lang="it-IT" sz="1400" dirty="0">
+                          <a:effectLst/>
+                        </a:rPr>
+                        <a:t>3.11%</a:t>
+                      </a:r>
+                    </a:p>
+                  </a:txBody>
+                  <a:tcPr/>
+                </a:tc>
+                <a:extLst>
+                  <a:ext uri="{0D108BD9-81ED-4DB2-BD59-A6C34878D82A}">
+                    <a16:rowId xmlns:a16="http://schemas.microsoft.com/office/drawing/2014/main" val="1578905213"/>
+                  </a:ext>
+                </a:extLst>
+              </a:tr>
+              <a:tr h="298722">
+                <a:tc>
+                  <a:txBody>
+                    <a:bodyPr/>
+                    <a:lstStyle/>
+                    <a:p>
+                      <a:pPr algn="ctr"/>
+                      <a:r>
+                        <a:rPr lang="it-IT" sz="1400" dirty="0">
+                          <a:effectLst/>
+                        </a:rPr>
+                        <a:t>NRMSD (range)</a:t>
+                      </a:r>
+                    </a:p>
+                  </a:txBody>
+                  <a:tcPr/>
+                </a:tc>
+                <a:tc>
+                  <a:txBody>
+                    <a:bodyPr/>
+                    <a:lstStyle/>
+                    <a:p>
+                      <a:pPr algn="ctr"/>
+                      <a:r>
+                        <a:rPr lang="it-IT" sz="1400" dirty="0">
+                          <a:effectLst/>
+                        </a:rPr>
+                        <a:t>5.14%</a:t>
+                      </a:r>
+                    </a:p>
+                  </a:txBody>
+                  <a:tcPr/>
+                </a:tc>
+                <a:extLst>
+                  <a:ext uri="{0D108BD9-81ED-4DB2-BD59-A6C34878D82A}">
+                    <a16:rowId xmlns:a16="http://schemas.microsoft.com/office/drawing/2014/main" val="2139346361"/>
+                  </a:ext>
+                </a:extLst>
+              </a:tr>
+              <a:tr h="298722">
+                <a:tc>
+                  <a:txBody>
+                    <a:bodyPr/>
+                    <a:lstStyle/>
+                    <a:p>
+                      <a:pPr algn="ctr"/>
+                      <a:r>
+                        <a:rPr lang="it-IT" sz="1400" dirty="0">
+                          <a:effectLst/>
+                        </a:rPr>
+                        <a:t>MAE</a:t>
+                      </a:r>
+                    </a:p>
+                  </a:txBody>
+                  <a:tcPr/>
+                </a:tc>
+                <a:tc>
+                  <a:txBody>
+                    <a:bodyPr/>
+                    <a:lstStyle/>
+                    <a:p>
+                      <a:pPr marL="0" marR="0" lvl="0" indent="0" algn="ctr" defTabSz="914400" rtl="0" eaLnBrk="1" fontAlgn="auto" latinLnBrk="0" hangingPunct="1">
+                        <a:lnSpc>
+                          <a:spcPct val="100000"/>
+                        </a:lnSpc>
+                        <a:spcBef>
+                          <a:spcPts val="0"/>
+                        </a:spcBef>
+                        <a:spcAft>
+                          <a:spcPts val="0"/>
+                        </a:spcAft>
+                        <a:buClrTx/>
+                        <a:buSzTx/>
+                        <a:buFontTx/>
+                        <a:buNone/>
+                        <a:tabLst/>
+                        <a:defRPr/>
+                      </a:pPr>
+                      <a:r>
+                        <a:rPr lang="it-IT" sz="1400" dirty="0">
+                          <a:effectLst/>
+                        </a:rPr>
+                        <a:t>1.01*</a:t>
+                      </a:r>
+                      <a:r>
+                        <a:rPr lang="it-IT" sz="1400" kern="1200" dirty="0">
+                          <a:effectLst/>
+                        </a:rPr>
+                        <a:t>10</a:t>
+                      </a:r>
+                      <a:r>
+                        <a:rPr lang="it-IT" sz="1400" kern="1200" baseline="30000" dirty="0">
+                          <a:effectLst/>
+                        </a:rPr>
+                        <a:t>3</a:t>
+                      </a:r>
+                      <a:endParaRPr lang="it-IT" sz="1400" kern="1200" dirty="0">
+                        <a:solidFill>
+                          <a:schemeClr val="dk1"/>
+                        </a:solidFill>
+                        <a:effectLst/>
+                        <a:latin typeface="+mn-lt"/>
+                        <a:ea typeface="+mn-ea"/>
+                        <a:cs typeface="+mn-cs"/>
+                      </a:endParaRPr>
+                    </a:p>
+                  </a:txBody>
+                  <a:tcPr/>
+                </a:tc>
+                <a:extLst>
+                  <a:ext uri="{0D108BD9-81ED-4DB2-BD59-A6C34878D82A}">
+                    <a16:rowId xmlns:a16="http://schemas.microsoft.com/office/drawing/2014/main" val="873540038"/>
+                  </a:ext>
+                </a:extLst>
+              </a:tr>
+            </a:tbl>
+          </a:graphicData>
+        </a:graphic>
+      </p:graphicFrame>
+      <p:sp>
+        <p:nvSpPr>
+          <p:cNvPr id="4" name="CasellaDiTesto 3">
+            <a:extLst>
+              <a:ext uri="{FF2B5EF4-FFF2-40B4-BE49-F238E27FC236}">
+                <a16:creationId xmlns:a16="http://schemas.microsoft.com/office/drawing/2014/main" id="{1048BB7B-4CB7-405E-83EF-104D707EE60F}"/>
+              </a:ext>
+            </a:extLst>
+          </p:cNvPr>
+          <p:cNvSpPr txBox="1"/>
+          <p:nvPr/>
+        </p:nvSpPr>
+        <p:spPr>
+          <a:xfrm>
+            <a:off x="518160" y="1814830"/>
+            <a:ext cx="1910080" cy="369332"/>
+          </a:xfrm>
+          <a:prstGeom prst="rect">
+            <a:avLst/>
+          </a:prstGeom>
+          <a:noFill/>
+        </p:spPr>
+        <p:txBody>
+          <a:bodyPr wrap="square" rtlCol="0">
+            <a:spAutoFit/>
+          </a:bodyPr>
+          <a:lstStyle/>
+          <a:p>
+            <a:r>
+              <a:rPr lang="it-IT" b="1" dirty="0"/>
+              <a:t>TRAINING:</a:t>
+            </a:r>
+          </a:p>
+        </p:txBody>
+      </p:sp>
+      <p:sp>
+        <p:nvSpPr>
+          <p:cNvPr id="9" name="CasellaDiTesto 8">
+            <a:extLst>
+              <a:ext uri="{FF2B5EF4-FFF2-40B4-BE49-F238E27FC236}">
+                <a16:creationId xmlns:a16="http://schemas.microsoft.com/office/drawing/2014/main" id="{D09C2FAB-9554-4BBA-92FB-F7C15596439F}"/>
+              </a:ext>
+            </a:extLst>
+          </p:cNvPr>
+          <p:cNvSpPr txBox="1"/>
+          <p:nvPr/>
+        </p:nvSpPr>
+        <p:spPr>
+          <a:xfrm>
+            <a:off x="518160" y="4395470"/>
+            <a:ext cx="1910080" cy="369332"/>
+          </a:xfrm>
+          <a:prstGeom prst="rect">
+            <a:avLst/>
+          </a:prstGeom>
+          <a:noFill/>
+        </p:spPr>
+        <p:txBody>
+          <a:bodyPr wrap="square" rtlCol="0">
+            <a:spAutoFit/>
+          </a:bodyPr>
+          <a:lstStyle/>
+          <a:p>
+            <a:r>
+              <a:rPr lang="it-IT" b="1" dirty="0"/>
+              <a:t>  TARGET:</a:t>
+            </a:r>
+          </a:p>
+        </p:txBody>
+      </p:sp>
+      <p:sp>
+        <p:nvSpPr>
+          <p:cNvPr id="10" name="Rettangolo 9">
+            <a:extLst>
+              <a:ext uri="{FF2B5EF4-FFF2-40B4-BE49-F238E27FC236}">
+                <a16:creationId xmlns:a16="http://schemas.microsoft.com/office/drawing/2014/main" id="{D9E5A1B0-4CB0-4E64-89E6-5DD781C99EEA}"/>
               </a:ext>
             </a:extLst>
           </p:cNvPr>
@@ -10750,21 +11724,21 @@
         </p:nvSpPr>
         <p:spPr>
           <a:xfrm>
-            <a:off x="3596377" y="785788"/>
-            <a:ext cx="8595623" cy="830997"/>
+            <a:off x="5895975" y="123369"/>
+            <a:ext cx="6204585" cy="1754326"/>
           </a:xfrm>
           <a:prstGeom prst="rect">
             <a:avLst/>
           </a:prstGeom>
         </p:spPr>
         <p:txBody>
-          <a:bodyPr wrap="none">
+          <a:bodyPr wrap="square">
             <a:spAutoFit/>
           </a:bodyPr>
           <a:lstStyle/>
           <a:p>
             <a:r>
-              <a:rPr lang="it-IT" sz="4800" dirty="0">
+              <a:rPr lang="it-IT" sz="5400" dirty="0">
                 <a:solidFill>
                   <a:srgbClr val="FF0000"/>
                 </a:solidFill>
@@ -10776,9 +11750,9 @@
                   </a:outerShdw>
                 </a:effectLst>
               </a:rPr>
-              <a:t>ISTOGRAMMA DEGLI ERRORI</a:t>
-            </a:r>
-            <a:endParaRPr lang="it-IT" sz="4800" dirty="0"/>
+              <a:t>INDICATORI DI PERFORMANCE</a:t>
+            </a:r>
+            <a:endParaRPr lang="it-IT" sz="5400" dirty="0"/>
           </a:p>
         </p:txBody>
       </p:sp>
@@ -10814,10 +11788,10 @@
       </p:grpSpPr>
       <p:pic>
         <p:nvPicPr>
-          <p:cNvPr id="5" name="Segnaposto contenuto 4">
+          <p:cNvPr id="7" name="Segnaposto contenuto 6" descr="Immagine che contiene musica&#10;&#10;Descrizione generata automaticamente">
             <a:extLst>
               <a:ext uri="{FF2B5EF4-FFF2-40B4-BE49-F238E27FC236}">
-                <a16:creationId xmlns:a16="http://schemas.microsoft.com/office/drawing/2014/main" id="{C444E93B-6CEC-47B8-8B07-31E842A5C295}"/>
+                <a16:creationId xmlns:a16="http://schemas.microsoft.com/office/drawing/2014/main" id="{945E351F-EA0F-4567-886E-82198A3D1DEF}"/>
               </a:ext>
             </a:extLst>
           </p:cNvPr>
@@ -10828,7 +11802,7 @@
             <p:ph idx="1"/>
           </p:nvPr>
         </p:nvPicPr>
-        <p:blipFill rotWithShape="1">
+        <p:blipFill>
           <a:blip r:embed="rId2">
             <a:extLst>
               <a:ext uri="{28A0092B-C50C-407E-A947-70E740481C1C}">
@@ -10836,22 +11810,59 @@
               </a:ext>
             </a:extLst>
           </a:blip>
-          <a:srcRect l="9415" t="3513" r="7070" b="6366"/>
-          <a:stretch/>
+          <a:stretch>
+            <a:fillRect/>
+          </a:stretch>
         </p:blipFill>
         <p:spPr>
           <a:xfrm>
-            <a:off x="2101616" y="1649427"/>
-            <a:ext cx="7988768" cy="5016417"/>
+            <a:off x="6167120" y="2204240"/>
+            <a:ext cx="5293995" cy="4359120"/>
           </a:xfrm>
         </p:spPr>
       </p:pic>
-      <p:sp>
-        <p:nvSpPr>
-          <p:cNvPr id="6" name="Rettangolo 5">
+      <p:pic>
+        <p:nvPicPr>
+          <p:cNvPr id="9" name="Immagine 8">
             <a:extLst>
               <a:ext uri="{FF2B5EF4-FFF2-40B4-BE49-F238E27FC236}">
-                <a16:creationId xmlns:a16="http://schemas.microsoft.com/office/drawing/2014/main" id="{BB7A1208-22AA-4802-8C3E-CEDFC1E1E5AF}"/>
+                <a16:creationId xmlns:a16="http://schemas.microsoft.com/office/drawing/2014/main" id="{DCCA8650-9053-46D9-857F-EA8D073AB776}"/>
+              </a:ext>
+            </a:extLst>
+          </p:cNvPr>
+          <p:cNvPicPr>
+            <a:picLocks noChangeAspect="1"/>
+          </p:cNvPicPr>
+          <p:nvPr/>
+        </p:nvPicPr>
+        <p:blipFill>
+          <a:blip r:embed="rId3">
+            <a:extLst>
+              <a:ext uri="{28A0092B-C50C-407E-A947-70E740481C1C}">
+                <a14:useLocalDpi xmlns:a14="http://schemas.microsoft.com/office/drawing/2010/main" val="0"/>
+              </a:ext>
+            </a:extLst>
+          </a:blip>
+          <a:stretch>
+            <a:fillRect/>
+          </a:stretch>
+        </p:blipFill>
+        <p:spPr>
+          <a:xfrm>
+            <a:off x="751411" y="2204239"/>
+            <a:ext cx="5659549" cy="4359121"/>
+          </a:xfrm>
+          <a:prstGeom prst="rect">
+            <a:avLst/>
+          </a:prstGeom>
+        </p:spPr>
+      </p:pic>
+      <p:sp>
+        <p:nvSpPr>
+          <p:cNvPr id="12" name="Rettangolo 11">
+            <a:extLst>
+              <a:ext uri="{FF2B5EF4-FFF2-40B4-BE49-F238E27FC236}">
+                <a16:creationId xmlns:a16="http://schemas.microsoft.com/office/drawing/2014/main" id="{659510C6-0E6C-4BC4-A21D-C40EF238C073}"/>
               </a:ext>
             </a:extLst>
           </p:cNvPr>
@@ -10860,8 +11871,8 @@
         </p:nvSpPr>
         <p:spPr>
           <a:xfrm>
-            <a:off x="5783661" y="678584"/>
-            <a:ext cx="4046301" cy="830997"/>
+            <a:off x="3057897" y="957743"/>
+            <a:ext cx="8279831" cy="830997"/>
           </a:xfrm>
           <a:prstGeom prst="rect">
             <a:avLst/>
@@ -10886,7 +11897,7 @@
                   </a:outerShdw>
                 </a:effectLst>
               </a:rPr>
-              <a:t>STIMA FINALE</a:t>
+              <a:t>ISTOGRAMMI DEGLI ERRORI</a:t>
             </a:r>
             <a:endParaRPr lang="it-IT" sz="4800" dirty="0"/>
           </a:p>
@@ -10895,7 +11906,7 @@
     </p:spTree>
     <p:extLst>
       <p:ext uri="{BB962C8B-B14F-4D97-AF65-F5344CB8AC3E}">
-        <p14:creationId xmlns:p14="http://schemas.microsoft.com/office/powerpoint/2010/main" val="2818234411"/>
+        <p14:creationId xmlns:p14="http://schemas.microsoft.com/office/powerpoint/2010/main" val="2924848303"/>
       </p:ext>
     </p:extLst>
   </p:cSld>
@@ -10922,6 +11933,116 @@
           <a:chExt cx="0" cy="0"/>
         </a:xfrm>
       </p:grpSpPr>
+      <p:pic>
+        <p:nvPicPr>
+          <p:cNvPr id="5" name="Segnaposto contenuto 4">
+            <a:extLst>
+              <a:ext uri="{FF2B5EF4-FFF2-40B4-BE49-F238E27FC236}">
+                <a16:creationId xmlns:a16="http://schemas.microsoft.com/office/drawing/2014/main" id="{C444E93B-6CEC-47B8-8B07-31E842A5C295}"/>
+              </a:ext>
+            </a:extLst>
+          </p:cNvPr>
+          <p:cNvPicPr>
+            <a:picLocks noGrp="1" noChangeAspect="1"/>
+          </p:cNvPicPr>
+          <p:nvPr>
+            <p:ph idx="1"/>
+          </p:nvPr>
+        </p:nvPicPr>
+        <p:blipFill rotWithShape="1">
+          <a:blip r:embed="rId2">
+            <a:extLst>
+              <a:ext uri="{28A0092B-C50C-407E-A947-70E740481C1C}">
+                <a14:useLocalDpi xmlns:a14="http://schemas.microsoft.com/office/drawing/2010/main" val="0"/>
+              </a:ext>
+            </a:extLst>
+          </a:blip>
+          <a:srcRect l="9415" t="3513" r="7070" b="6366"/>
+          <a:stretch/>
+        </p:blipFill>
+        <p:spPr>
+          <a:xfrm>
+            <a:off x="2101616" y="1649427"/>
+            <a:ext cx="7988768" cy="5016417"/>
+          </a:xfrm>
+        </p:spPr>
+      </p:pic>
+      <p:sp>
+        <p:nvSpPr>
+          <p:cNvPr id="6" name="Rettangolo 5">
+            <a:extLst>
+              <a:ext uri="{FF2B5EF4-FFF2-40B4-BE49-F238E27FC236}">
+                <a16:creationId xmlns:a16="http://schemas.microsoft.com/office/drawing/2014/main" id="{BB7A1208-22AA-4802-8C3E-CEDFC1E1E5AF}"/>
+              </a:ext>
+            </a:extLst>
+          </p:cNvPr>
+          <p:cNvSpPr/>
+          <p:nvPr/>
+        </p:nvSpPr>
+        <p:spPr>
+          <a:xfrm>
+            <a:off x="5783661" y="678584"/>
+            <a:ext cx="4046301" cy="830997"/>
+          </a:xfrm>
+          <a:prstGeom prst="rect">
+            <a:avLst/>
+          </a:prstGeom>
+        </p:spPr>
+        <p:txBody>
+          <a:bodyPr wrap="none">
+            <a:spAutoFit/>
+          </a:bodyPr>
+          <a:lstStyle/>
+          <a:p>
+            <a:r>
+              <a:rPr lang="it-IT" sz="4800" dirty="0">
+                <a:solidFill>
+                  <a:srgbClr val="FF0000"/>
+                </a:solidFill>
+                <a:effectLst>
+                  <a:outerShdw blurRad="38100" dist="38100" dir="2700000" algn="tl">
+                    <a:srgbClr val="000000">
+                      <a:alpha val="43137"/>
+                    </a:srgbClr>
+                  </a:outerShdw>
+                </a:effectLst>
+              </a:rPr>
+              <a:t>STIMA FINALE</a:t>
+            </a:r>
+            <a:endParaRPr lang="it-IT" sz="4800" dirty="0"/>
+          </a:p>
+        </p:txBody>
+      </p:sp>
+    </p:spTree>
+    <p:extLst>
+      <p:ext uri="{BB962C8B-B14F-4D97-AF65-F5344CB8AC3E}">
+        <p14:creationId xmlns:p14="http://schemas.microsoft.com/office/powerpoint/2010/main" val="2818234411"/>
+      </p:ext>
+    </p:extLst>
+  </p:cSld>
+  <p:clrMapOvr>
+    <a:masterClrMapping/>
+  </p:clrMapOvr>
+</p:sld>
+</file>
+
+<file path=ppt/slides/slide28.xml><?xml version="1.0" encoding="utf-8"?>
+<p:sld xmlns:a="http://schemas.openxmlformats.org/drawingml/2006/main" xmlns:r="http://schemas.openxmlformats.org/officeDocument/2006/relationships" xmlns:p="http://schemas.openxmlformats.org/presentationml/2006/main">
+  <p:cSld>
+    <p:spTree>
+      <p:nvGrpSpPr>
+        <p:cNvPr id="1" name=""/>
+        <p:cNvGrpSpPr/>
+        <p:nvPr/>
+      </p:nvGrpSpPr>
+      <p:grpSpPr>
+        <a:xfrm>
+          <a:off x="0" y="0"/>
+          <a:ext cx="0" cy="0"/>
+          <a:chOff x="0" y="0"/>
+          <a:chExt cx="0" cy="0"/>
+        </a:xfrm>
+      </p:grpSpPr>
       <p:graphicFrame>
         <p:nvGraphicFramePr>
           <p:cNvPr id="2" name="Tabella 1">
@@ -10937,14 +12058,14 @@
           <p:nvPr>
             <p:extLst>
               <p:ext uri="{D42A27DB-BD31-4B8C-83A1-F6EECF244321}">
-                <p14:modId xmlns:p14="http://schemas.microsoft.com/office/powerpoint/2010/main" val="71077309"/>
+                <p14:modId xmlns:p14="http://schemas.microsoft.com/office/powerpoint/2010/main" val="3840308302"/>
               </p:ext>
             </p:extLst>
           </p:nvPr>
         </p:nvGraphicFramePr>
         <p:xfrm>
           <a:off x="638507" y="2331720"/>
-          <a:ext cx="10914985" cy="2194560"/>
+          <a:ext cx="10914985" cy="2341878"/>
         </p:xfrm>
         <a:graphic>
           <a:graphicData uri="http://schemas.openxmlformats.org/drawingml/2006/table">
@@ -10968,7 +12089,7 @@
                   </a:extLst>
                 </a:gridCol>
               </a:tblGrid>
-              <a:tr h="298722">
+              <a:tr h="390313">
                 <a:tc>
                   <a:txBody>
                     <a:bodyPr/>
@@ -11003,7 +12124,7 @@
                   </a:ext>
                 </a:extLst>
               </a:tr>
-              <a:tr h="298722">
+              <a:tr h="390313">
                 <a:tc>
                   <a:txBody>
                     <a:bodyPr/>
@@ -11071,7 +12192,7 @@
                   </a:ext>
                 </a:extLst>
               </a:tr>
-              <a:tr h="298722">
+              <a:tr h="390313">
                 <a:tc>
                   <a:txBody>
                     <a:bodyPr/>
@@ -11143,7 +12264,7 @@
                   </a:ext>
                 </a:extLst>
               </a:tr>
-              <a:tr h="298722">
+              <a:tr h="390313">
                 <a:tc>
                   <a:txBody>
                     <a:bodyPr/>
@@ -11215,7 +12336,7 @@
                   </a:ext>
                 </a:extLst>
               </a:tr>
-              <a:tr h="298722">
+              <a:tr h="390313">
                 <a:tc>
                   <a:txBody>
                     <a:bodyPr/>
@@ -11283,7 +12404,7 @@
                   </a:ext>
                 </a:extLst>
               </a:tr>
-              <a:tr h="298722">
+              <a:tr h="390313">
                 <a:tc>
                   <a:txBody>
                     <a:bodyPr/>
@@ -11295,6 +12416,13 @@
                           <a:solidFill>
                             <a:srgbClr val="FF0000"/>
                           </a:solidFill>
+                          <a:effectLst>
+                            <a:outerShdw blurRad="38100" dist="38100" dir="2700000" algn="tl">
+                              <a:srgbClr val="000000">
+                                <a:alpha val="43137"/>
+                              </a:srgbClr>
+                            </a:outerShdw>
+                          </a:effectLst>
                         </a:rPr>
                         <a:t>RETE NEURALE</a:t>
                       </a:r>
@@ -11329,6 +12457,13 @@
                           <a:solidFill>
                             <a:srgbClr val="FF0000"/>
                           </a:solidFill>
+                          <a:effectLst>
+                            <a:outerShdw blurRad="38100" dist="38100" dir="2700000" algn="tl">
+                              <a:srgbClr val="000000">
+                                <a:alpha val="43137"/>
+                              </a:srgbClr>
+                            </a:outerShdw>
+                          </a:effectLst>
                         </a:rPr>
                         <a:t>2.28</a:t>
                       </a:r>
@@ -11337,7 +12472,13 @@
                           <a:solidFill>
                             <a:srgbClr val="FF0000"/>
                           </a:solidFill>
-                          <a:effectLst/>
+                          <a:effectLst>
+                            <a:outerShdw blurRad="38100" dist="38100" dir="2700000" algn="tl">
+                              <a:srgbClr val="000000">
+                                <a:alpha val="43137"/>
+                              </a:srgbClr>
+                            </a:outerShdw>
+                          </a:effectLst>
                         </a:rPr>
                         <a:t>*10</a:t>
                       </a:r>
@@ -11346,7 +12487,13 @@
                           <a:solidFill>
                             <a:srgbClr val="FF0000"/>
                           </a:solidFill>
-                          <a:effectLst/>
+                          <a:effectLst>
+                            <a:outerShdw blurRad="38100" dist="38100" dir="2700000" algn="tl">
+                              <a:srgbClr val="000000">
+                                <a:alpha val="43137"/>
+                              </a:srgbClr>
+                            </a:outerShdw>
+                          </a:effectLst>
                         </a:rPr>
                         <a:t>9</a:t>
                       </a:r>
@@ -11354,7 +12501,13 @@
                         <a:solidFill>
                           <a:srgbClr val="FF0000"/>
                         </a:solidFill>
-                        <a:effectLst/>
+                        <a:effectLst>
+                          <a:outerShdw blurRad="38100" dist="38100" dir="2700000" algn="tl">
+                            <a:srgbClr val="000000">
+                              <a:alpha val="43137"/>
+                            </a:srgbClr>
+                          </a:outerShdw>
+                        </a:effectLst>
                         <a:latin typeface="+mn-lt"/>
                         <a:ea typeface="+mn-ea"/>
                         <a:cs typeface="+mn-cs"/>

--- a/progettomatlabfine (1).pptx
+++ b/progettomatlabfine (1).pptx
@@ -10680,6 +10680,42 @@
           </a:prstGeom>
         </p:spPr>
       </p:pic>
+      <p:pic>
+        <p:nvPicPr>
+          <p:cNvPr id="4" name="Immagine 3">
+            <a:extLst>
+              <a:ext uri="{FF2B5EF4-FFF2-40B4-BE49-F238E27FC236}">
+                <a16:creationId xmlns:a16="http://schemas.microsoft.com/office/drawing/2014/main" id="{1045778E-1DB9-4865-986E-4EF892F628BC}"/>
+              </a:ext>
+            </a:extLst>
+          </p:cNvPr>
+          <p:cNvPicPr>
+            <a:picLocks noChangeAspect="1"/>
+          </p:cNvPicPr>
+          <p:nvPr/>
+        </p:nvPicPr>
+        <p:blipFill>
+          <a:blip r:embed="rId6">
+            <a:extLst>
+              <a:ext uri="{28A0092B-C50C-407E-A947-70E740481C1C}">
+                <a14:useLocalDpi xmlns:a14="http://schemas.microsoft.com/office/drawing/2010/main" val="0"/>
+              </a:ext>
+            </a:extLst>
+          </a:blip>
+          <a:stretch>
+            <a:fillRect/>
+          </a:stretch>
+        </p:blipFill>
+        <p:spPr>
+          <a:xfrm>
+            <a:off x="6817566" y="2994563"/>
+            <a:ext cx="3644376" cy="299359"/>
+          </a:xfrm>
+          <a:prstGeom prst="rect">
+            <a:avLst/>
+          </a:prstGeom>
+        </p:spPr>
+      </p:pic>
     </p:spTree>
     <p:extLst>
       <p:ext uri="{BB962C8B-B14F-4D97-AF65-F5344CB8AC3E}">
